--- a/SubRoutine Diagrams/Notice Board.pptx
+++ b/SubRoutine Diagrams/Notice Board.pptx
@@ -1364,7 +1364,7 @@
           <a:p>
             <a:fld id="{59088EAF-6ECA-4616-85EF-35AA19C641F3}" type="datetimeFigureOut">
               <a:rPr lang="en-US"/>
-              <a:t>5/20/2020</a:t>
+              <a:t>5/21/2020</a:t>
             </a:fld>
             <a:endParaRPr/>
           </a:p>
@@ -1529,7 +1529,7 @@
           <a:p>
             <a:fld id="{3ABD2D7A-D230-4F91-BD59-0A39C2703BA8}" type="datetimeFigureOut">
               <a:rPr lang="en-US"/>
-              <a:t>5/20/2020</a:t>
+              <a:t>5/21/2020</a:t>
             </a:fld>
             <a:endParaRPr/>
           </a:p>
@@ -2107,7 +2107,7 @@
           <a:p>
             <a:fld id="{03F41C87-7AD9-4845-A077-840E4A0F3F06}" type="datetimeFigureOut">
               <a:rPr lang="en-US"/>
-              <a:t>5/20/2020</a:t>
+              <a:t>5/21/2020</a:t>
             </a:fld>
             <a:endParaRPr/>
           </a:p>
@@ -2291,7 +2291,7 @@
           <a:p>
             <a:fld id="{03F41C87-7AD9-4845-A077-840E4A0F3F06}" type="datetimeFigureOut">
               <a:rPr lang="en-US"/>
-              <a:t>5/20/2020</a:t>
+              <a:t>5/21/2020</a:t>
             </a:fld>
             <a:endParaRPr/>
           </a:p>
@@ -2472,7 +2472,7 @@
           <a:p>
             <a:fld id="{03F41C87-7AD9-4845-A077-840E4A0F3F06}" type="datetimeFigureOut">
               <a:rPr lang="en-US"/>
-              <a:t>5/20/2020</a:t>
+              <a:t>5/21/2020</a:t>
             </a:fld>
             <a:endParaRPr/>
           </a:p>
@@ -2749,7 +2749,7 @@
           <a:p>
             <a:fld id="{03F41C87-7AD9-4845-A077-840E4A0F3F06}" type="datetimeFigureOut">
               <a:rPr lang="en-US"/>
-              <a:t>5/20/2020</a:t>
+              <a:t>5/21/2020</a:t>
             </a:fld>
             <a:endParaRPr/>
           </a:p>
@@ -3039,7 +3039,7 @@
           <a:p>
             <a:fld id="{03F41C87-7AD9-4845-A077-840E4A0F3F06}" type="datetimeFigureOut">
               <a:rPr lang="en-US"/>
-              <a:t>5/20/2020</a:t>
+              <a:t>5/21/2020</a:t>
             </a:fld>
             <a:endParaRPr/>
           </a:p>
@@ -3479,7 +3479,7 @@
           <a:p>
             <a:fld id="{03F41C87-7AD9-4845-A077-840E4A0F3F06}" type="datetimeFigureOut">
               <a:rPr lang="en-US"/>
-              <a:t>5/20/2020</a:t>
+              <a:t>5/21/2020</a:t>
             </a:fld>
             <a:endParaRPr/>
           </a:p>
@@ -3607,7 +3607,7 @@
           <a:p>
             <a:fld id="{03F41C87-7AD9-4845-A077-840E4A0F3F06}" type="datetimeFigureOut">
               <a:rPr lang="en-US"/>
-              <a:t>5/20/2020</a:t>
+              <a:t>5/21/2020</a:t>
             </a:fld>
             <a:endParaRPr/>
           </a:p>
@@ -3722,7 +3722,7 @@
           <a:p>
             <a:fld id="{03F41C87-7AD9-4845-A077-840E4A0F3F06}" type="datetimeFigureOut">
               <a:rPr lang="en-US"/>
-              <a:t>5/20/2020</a:t>
+              <a:t>5/21/2020</a:t>
             </a:fld>
             <a:endParaRPr/>
           </a:p>
@@ -4035,7 +4035,7 @@
           <a:p>
             <a:fld id="{03F41C87-7AD9-4845-A077-840E4A0F3F06}" type="datetimeFigureOut">
               <a:rPr lang="en-US"/>
-              <a:t>5/20/2020</a:t>
+              <a:t>5/21/2020</a:t>
             </a:fld>
             <a:endParaRPr/>
           </a:p>
@@ -4340,7 +4340,7 @@
             <a:fld id="{03F41C87-7AD9-4845-A077-840E4A0F3F06}" type="datetimeFigureOut">
               <a:rPr lang="en-US"/>
               <a:pPr/>
-              <a:t>5/20/2020</a:t>
+              <a:t>5/21/2020</a:t>
             </a:fld>
             <a:endParaRPr/>
           </a:p>
@@ -4573,7 +4573,7 @@
             <a:fld id="{03F41C87-7AD9-4845-A077-840E4A0F3F06}" type="datetimeFigureOut">
               <a:rPr lang="en-US"/>
               <a:pPr/>
-              <a:t>5/20/2020</a:t>
+              <a:t>5/21/2020</a:t>
             </a:fld>
             <a:endParaRPr/>
           </a:p>
@@ -5313,7 +5313,10 @@
           <a:lstStyle/>
           <a:p>
             <a:pPr algn="ctr"/>
-            <a:endParaRPr lang="en-US"/>
+            <a:r>
+              <a:rPr lang="en-US" dirty="0"/>
+              <a:t>(Non-Permanent)</a:t>
+            </a:r>
           </a:p>
         </p:txBody>
       </p:sp>
@@ -5924,10 +5927,10 @@
         </p:nvGrpSpPr>
         <p:grpSpPr>
           <a:xfrm>
-            <a:off x="1398032" y="1831161"/>
-            <a:ext cx="9404092" cy="4711330"/>
-            <a:chOff x="803225" y="1859500"/>
-            <a:chExt cx="9404092" cy="4711330"/>
+            <a:off x="1392366" y="1835130"/>
+            <a:ext cx="9404092" cy="4666193"/>
+            <a:chOff x="803225" y="1904637"/>
+            <a:chExt cx="9404092" cy="4666193"/>
           </a:xfrm>
         </p:grpSpPr>
         <p:sp>
@@ -6046,7 +6049,7 @@
           </p:nvSpPr>
           <p:spPr>
             <a:xfrm>
-              <a:off x="4393458" y="1859500"/>
+              <a:off x="4421295" y="1904637"/>
               <a:ext cx="1605510" cy="850165"/>
             </a:xfrm>
             <a:prstGeom prst="ellipse">
@@ -6075,7 +6078,7 @@
             <a:p>
               <a:pPr algn="ctr"/>
               <a:r>
-                <a:rPr lang="en-US" sz="1600"/>
+                <a:rPr lang="en-US" sz="1600" dirty="0"/>
                 <a:t>Scheduling meetings</a:t>
               </a:r>
             </a:p>
@@ -6145,7 +6148,7 @@
           </p:nvSpPr>
           <p:spPr>
             <a:xfrm>
-              <a:off x="4490224" y="3484260"/>
+              <a:off x="4490224" y="3535032"/>
               <a:ext cx="1605510" cy="850165"/>
             </a:xfrm>
             <a:prstGeom prst="ellipse">
@@ -6174,10 +6177,10 @@
             <a:p>
               <a:pPr algn="ctr"/>
               <a:r>
-                <a:rPr lang="en-US" sz="1600"/>
+                <a:rPr lang="en-US" sz="1600" dirty="0"/>
                 <a:t>Announcements</a:t>
               </a:r>
-              <a:endParaRPr lang="en-US"/>
+              <a:endParaRPr lang="en-US" dirty="0"/>
             </a:p>
           </p:txBody>
         </p:sp>
@@ -6344,7 +6347,7 @@
           </p:nvSpPr>
           <p:spPr>
             <a:xfrm>
-              <a:off x="8394096" y="2329720"/>
+              <a:off x="8394096" y="2495941"/>
               <a:ext cx="1813221" cy="2928346"/>
             </a:xfrm>
             <a:prstGeom prst="can">
@@ -6392,13 +6395,17 @@
                 </a:ext>
               </a:extLst>
             </p:cNvPr>
-            <p:cNvCxnSpPr/>
+            <p:cNvCxnSpPr>
+              <a:cxnSpLocks/>
+              <a:stCxn id="15" idx="6"/>
+              <a:endCxn id="23" idx="2"/>
+            </p:cNvCxnSpPr>
             <p:nvPr/>
           </p:nvCxnSpPr>
           <p:spPr>
             <a:xfrm>
-              <a:off x="6024307" y="2291668"/>
-              <a:ext cx="2377815" cy="1585086"/>
+              <a:off x="6026805" y="2329720"/>
+              <a:ext cx="2367291" cy="1630394"/>
             </a:xfrm>
             <a:prstGeom prst="straightConnector1">
               <a:avLst/>
@@ -6433,13 +6440,15 @@
             </p:cNvPr>
             <p:cNvCxnSpPr>
               <a:cxnSpLocks/>
+              <a:stCxn id="18" idx="6"/>
+              <a:endCxn id="23" idx="2"/>
             </p:cNvCxnSpPr>
             <p:nvPr/>
           </p:nvCxnSpPr>
           <p:spPr>
             <a:xfrm flipV="1">
-              <a:off x="5999182" y="3857862"/>
-              <a:ext cx="2425021" cy="1889"/>
+              <a:off x="6095734" y="3960114"/>
+              <a:ext cx="2298362" cy="1"/>
             </a:xfrm>
             <a:prstGeom prst="straightConnector1">
               <a:avLst/>
@@ -6474,13 +6483,15 @@
             </p:cNvPr>
             <p:cNvCxnSpPr>
               <a:cxnSpLocks/>
+              <a:stCxn id="20" idx="6"/>
+              <a:endCxn id="23" idx="2"/>
             </p:cNvCxnSpPr>
             <p:nvPr/>
           </p:nvCxnSpPr>
           <p:spPr>
             <a:xfrm flipV="1">
-              <a:off x="6188082" y="3867308"/>
-              <a:ext cx="2217311" cy="1617201"/>
+              <a:off x="6220873" y="3960114"/>
+              <a:ext cx="2173223" cy="1531481"/>
             </a:xfrm>
             <a:prstGeom prst="straightConnector1">
               <a:avLst/>
@@ -6515,13 +6526,15 @@
             </p:cNvPr>
             <p:cNvCxnSpPr>
               <a:cxnSpLocks/>
+              <a:stCxn id="14" idx="0"/>
+              <a:endCxn id="37" idx="2"/>
             </p:cNvCxnSpPr>
             <p:nvPr/>
           </p:nvCxnSpPr>
           <p:spPr>
-            <a:xfrm flipH="1" flipV="1">
-              <a:off x="2155273" y="3007696"/>
-              <a:ext cx="10854" cy="379741"/>
+            <a:xfrm flipV="1">
+              <a:off x="2178437" y="2863167"/>
+              <a:ext cx="0" cy="478219"/>
             </a:xfrm>
             <a:prstGeom prst="straightConnector1">
               <a:avLst/>
@@ -6556,13 +6569,15 @@
             </p:cNvPr>
             <p:cNvCxnSpPr>
               <a:cxnSpLocks/>
+              <a:stCxn id="14" idx="6"/>
+              <a:endCxn id="18" idx="2"/>
             </p:cNvCxnSpPr>
             <p:nvPr/>
           </p:nvCxnSpPr>
           <p:spPr>
             <a:xfrm flipV="1">
-              <a:off x="3384139" y="3952324"/>
-              <a:ext cx="1159877" cy="11334"/>
+              <a:off x="3420216" y="3960115"/>
+              <a:ext cx="1070008" cy="4726"/>
             </a:xfrm>
             <a:prstGeom prst="straightConnector1">
               <a:avLst/>
@@ -6597,13 +6612,15 @@
             </p:cNvPr>
             <p:cNvCxnSpPr>
               <a:cxnSpLocks/>
+              <a:stCxn id="14" idx="6"/>
+              <a:endCxn id="20" idx="2"/>
             </p:cNvCxnSpPr>
             <p:nvPr/>
           </p:nvCxnSpPr>
           <p:spPr>
             <a:xfrm>
-              <a:off x="3374772" y="3991998"/>
-              <a:ext cx="1131552" cy="1518963"/>
+              <a:off x="3420216" y="3964841"/>
+              <a:ext cx="1072410" cy="1526754"/>
             </a:xfrm>
             <a:prstGeom prst="straightConnector1">
               <a:avLst/>
@@ -6642,7 +6659,7 @@
         </p:nvSpPr>
         <p:spPr>
           <a:xfrm>
-            <a:off x="7667110" y="5701775"/>
+            <a:off x="7667110" y="5622820"/>
             <a:ext cx="1784896" cy="972966"/>
           </a:xfrm>
           <a:prstGeom prst="rect">
@@ -6785,13 +6802,17 @@
               </a:ext>
             </a:extLst>
           </p:cNvPr>
-          <p:cNvCxnSpPr/>
+          <p:cNvCxnSpPr>
+            <a:cxnSpLocks/>
+            <a:stCxn id="21" idx="3"/>
+            <a:endCxn id="32" idx="1"/>
+          </p:cNvCxnSpPr>
           <p:nvPr/>
         </p:nvCxnSpPr>
         <p:spPr>
           <a:xfrm>
-            <a:off x="7034537" y="6183536"/>
-            <a:ext cx="678364" cy="26449"/>
+            <a:off x="7015156" y="6109303"/>
+            <a:ext cx="651954" cy="0"/>
           </a:xfrm>
           <a:prstGeom prst="straightConnector1">
             <a:avLst/>
@@ -6826,13 +6847,15 @@
           </p:cNvPr>
           <p:cNvCxnSpPr>
             <a:cxnSpLocks/>
+            <a:stCxn id="37" idx="3"/>
+            <a:endCxn id="15" idx="2"/>
           </p:cNvCxnSpPr>
           <p:nvPr/>
         </p:nvCxnSpPr>
         <p:spPr>
           <a:xfrm flipV="1">
-            <a:off x="3772499" y="2224915"/>
-            <a:ext cx="1263733" cy="181369"/>
+            <a:off x="3514629" y="2260213"/>
+            <a:ext cx="1495807" cy="3116"/>
           </a:xfrm>
           <a:prstGeom prst="straightConnector1">
             <a:avLst/>
@@ -6870,7 +6893,7 @@
         </p:nvSpPr>
         <p:spPr>
           <a:xfrm>
-            <a:off x="2209990" y="1828800"/>
+            <a:off x="2031858" y="1691830"/>
             <a:ext cx="1482771" cy="1142998"/>
           </a:xfrm>
           <a:prstGeom prst="rect">
@@ -7096,13 +7119,17 @@
               </a:ext>
             </a:extLst>
           </p:cNvPr>
-          <p:cNvCxnSpPr/>
+          <p:cNvCxnSpPr>
+            <a:cxnSpLocks/>
+            <a:stCxn id="6" idx="3"/>
+            <a:endCxn id="4" idx="1"/>
+          </p:cNvCxnSpPr>
           <p:nvPr/>
         </p:nvCxnSpPr>
         <p:spPr>
           <a:xfrm>
-            <a:off x="1872609" y="4145501"/>
-            <a:ext cx="923840" cy="17004"/>
+            <a:off x="1879621" y="4151640"/>
+            <a:ext cx="877971" cy="5667"/>
           </a:xfrm>
           <a:prstGeom prst="straightConnector1">
             <a:avLst/>
@@ -7137,13 +7164,15 @@
           </p:cNvPr>
           <p:cNvCxnSpPr>
             <a:cxnSpLocks/>
+            <a:stCxn id="4" idx="3"/>
+            <a:endCxn id="10" idx="1"/>
           </p:cNvCxnSpPr>
           <p:nvPr/>
         </p:nvCxnSpPr>
         <p:spPr>
-          <a:xfrm>
-            <a:off x="5518811" y="4154947"/>
-            <a:ext cx="886076" cy="7559"/>
+          <a:xfrm flipV="1">
+            <a:off x="5514950" y="4157306"/>
+            <a:ext cx="877971" cy="1"/>
           </a:xfrm>
           <a:prstGeom prst="straightConnector1">
             <a:avLst/>
@@ -7231,13 +7260,15 @@
           </p:cNvPr>
           <p:cNvCxnSpPr>
             <a:cxnSpLocks/>
+            <a:stCxn id="10" idx="3"/>
+            <a:endCxn id="3" idx="2"/>
           </p:cNvCxnSpPr>
           <p:nvPr/>
         </p:nvCxnSpPr>
         <p:spPr>
-          <a:xfrm>
-            <a:off x="9143518" y="4145501"/>
-            <a:ext cx="923840" cy="17004"/>
+          <a:xfrm flipV="1">
+            <a:off x="9150279" y="4152852"/>
+            <a:ext cx="914942" cy="4454"/>
           </a:xfrm>
           <a:prstGeom prst="straightConnector1">
             <a:avLst/>
@@ -7275,7 +7306,7 @@
         </p:nvSpPr>
         <p:spPr>
           <a:xfrm>
-            <a:off x="557749" y="3387436"/>
+            <a:off x="566794" y="3429000"/>
             <a:ext cx="1312827" cy="1445280"/>
           </a:xfrm>
           <a:prstGeom prst="rect">
@@ -7491,9 +7522,9 @@
         </p:nvGrpSpPr>
         <p:grpSpPr>
           <a:xfrm>
-            <a:off x="1483005" y="2244703"/>
+            <a:off x="1483005" y="2395575"/>
             <a:ext cx="9139733" cy="3504569"/>
-            <a:chOff x="576632" y="2103009"/>
+            <a:chOff x="576632" y="2253881"/>
             <a:chExt cx="9139733" cy="3504569"/>
           </a:xfrm>
         </p:grpSpPr>
@@ -7560,7 +7591,7 @@
           </p:nvSpPr>
           <p:spPr>
             <a:xfrm>
-              <a:off x="7553813" y="2103009"/>
+              <a:off x="7553813" y="2253881"/>
               <a:ext cx="2162552" cy="3504569"/>
             </a:xfrm>
             <a:prstGeom prst="can">
@@ -7664,13 +7695,17 @@
                 </a:ext>
               </a:extLst>
             </p:cNvPr>
-            <p:cNvCxnSpPr/>
+            <p:cNvCxnSpPr>
+              <a:cxnSpLocks/>
+              <a:stCxn id="12" idx="3"/>
+              <a:endCxn id="20" idx="1"/>
+            </p:cNvCxnSpPr>
             <p:nvPr/>
           </p:nvCxnSpPr>
           <p:spPr>
             <a:xfrm>
-              <a:off x="2118086" y="3994360"/>
-              <a:ext cx="923840" cy="17004"/>
+              <a:off x="2078286" y="4006167"/>
+              <a:ext cx="972385" cy="0"/>
             </a:xfrm>
             <a:prstGeom prst="straightConnector1">
               <a:avLst/>
@@ -7705,13 +7740,15 @@
             </p:cNvPr>
             <p:cNvCxnSpPr>
               <a:cxnSpLocks/>
+              <a:stCxn id="20" idx="3"/>
+              <a:endCxn id="14" idx="2"/>
             </p:cNvCxnSpPr>
             <p:nvPr/>
           </p:nvCxnSpPr>
           <p:spPr>
             <a:xfrm flipV="1">
-              <a:off x="5811492" y="4049148"/>
-              <a:ext cx="1792450" cy="1888"/>
+              <a:off x="5808029" y="4006166"/>
+              <a:ext cx="1745784" cy="1"/>
             </a:xfrm>
             <a:prstGeom prst="straightConnector1">
               <a:avLst/>
@@ -7858,13 +7895,17 @@
               </a:ext>
             </a:extLst>
           </p:cNvPr>
-          <p:cNvCxnSpPr/>
+          <p:cNvCxnSpPr>
+            <a:cxnSpLocks/>
+            <a:stCxn id="12" idx="3"/>
+            <a:endCxn id="24" idx="1"/>
+          </p:cNvCxnSpPr>
           <p:nvPr/>
         </p:nvCxnSpPr>
         <p:spPr>
-          <a:xfrm>
-            <a:off x="3647590" y="3975467"/>
-            <a:ext cx="3255861" cy="7558"/>
+          <a:xfrm flipV="1">
+            <a:off x="3645556" y="3996719"/>
+            <a:ext cx="3257199" cy="2"/>
           </a:xfrm>
           <a:prstGeom prst="straightConnector1">
             <a:avLst/>
@@ -8207,13 +8248,17 @@
               </a:ext>
             </a:extLst>
           </p:cNvPr>
-          <p:cNvCxnSpPr/>
+          <p:cNvCxnSpPr>
+            <a:cxnSpLocks/>
+            <a:stCxn id="9" idx="3"/>
+            <a:endCxn id="10" idx="1"/>
+          </p:cNvCxnSpPr>
           <p:nvPr/>
         </p:nvCxnSpPr>
         <p:spPr>
-          <a:xfrm flipV="1">
-            <a:off x="3752699" y="4182578"/>
-            <a:ext cx="2557200" cy="1888"/>
+          <a:xfrm>
+            <a:off x="3750665" y="4134873"/>
+            <a:ext cx="2559394" cy="1180"/>
           </a:xfrm>
           <a:prstGeom prst="straightConnector1">
             <a:avLst/>
@@ -8460,13 +8505,15 @@
           </p:cNvPr>
           <p:cNvCxnSpPr>
             <a:cxnSpLocks/>
+            <a:stCxn id="4" idx="3"/>
+            <a:endCxn id="8" idx="1"/>
           </p:cNvCxnSpPr>
           <p:nvPr/>
         </p:nvCxnSpPr>
         <p:spPr>
           <a:xfrm flipV="1">
-            <a:off x="3695630" y="3971215"/>
-            <a:ext cx="2915976" cy="30230"/>
+            <a:off x="3702204" y="3994359"/>
+            <a:ext cx="2909979" cy="2362"/>
           </a:xfrm>
           <a:prstGeom prst="straightConnector1">
             <a:avLst/>
@@ -8603,8 +8650,8 @@
           <a:lstStyle/>
           <a:p>
             <a:r>
-              <a:rPr lang="en-US"/>
-              <a:t>S8:Reply Disply</a:t>
+              <a:rPr lang="en-US" dirty="0"/>
+              <a:t>S8:Reply Display</a:t>
             </a:r>
           </a:p>
         </p:txBody>
@@ -9024,13 +9071,17 @@
               </a:ext>
             </a:extLst>
           </p:cNvPr>
-          <p:cNvCxnSpPr/>
+          <p:cNvCxnSpPr>
+            <a:cxnSpLocks/>
+            <a:stCxn id="4" idx="3"/>
+            <a:endCxn id="7" idx="2"/>
+          </p:cNvCxnSpPr>
           <p:nvPr/>
         </p:nvCxnSpPr>
         <p:spPr>
           <a:xfrm>
-            <a:off x="3342956" y="2612842"/>
-            <a:ext cx="1037138" cy="1018309"/>
+            <a:off x="3315107" y="2579779"/>
+            <a:ext cx="1094726" cy="1034367"/>
           </a:xfrm>
           <a:prstGeom prst="straightConnector1">
             <a:avLst/>
@@ -9065,13 +9116,14 @@
           </p:cNvPr>
           <p:cNvCxnSpPr>
             <a:cxnSpLocks/>
+            <a:endCxn id="7" idx="2"/>
           </p:cNvCxnSpPr>
           <p:nvPr/>
         </p:nvCxnSpPr>
         <p:spPr>
           <a:xfrm flipV="1">
-            <a:off x="3344763" y="3659490"/>
-            <a:ext cx="1037139" cy="993749"/>
+            <a:off x="3429000" y="3614146"/>
+            <a:ext cx="980833" cy="988334"/>
           </a:xfrm>
           <a:prstGeom prst="straightConnector1">
             <a:avLst/>
@@ -9106,13 +9158,15 @@
           </p:cNvPr>
           <p:cNvCxnSpPr>
             <a:cxnSpLocks/>
+            <a:stCxn id="7" idx="6"/>
+            <a:endCxn id="9" idx="1"/>
           </p:cNvCxnSpPr>
           <p:nvPr/>
         </p:nvCxnSpPr>
         <p:spPr>
-          <a:xfrm flipV="1">
-            <a:off x="7055299" y="3602813"/>
-            <a:ext cx="508422" cy="11334"/>
+          <a:xfrm>
+            <a:off x="7110542" y="3614146"/>
+            <a:ext cx="455221" cy="2362"/>
           </a:xfrm>
           <a:prstGeom prst="straightConnector1">
             <a:avLst/>

--- a/SubRoutine Diagrams/Notice Board.pptx
+++ b/SubRoutine Diagrams/Notice Board.pptx
@@ -1789,6 +1789,101 @@
     </a:lvl9pPr>
   </p:notesStyle>
 </p:notesMaster>
+</file>
+
+<file path=ppt/notesSlides/notesSlide1.xml><?xml version="1.0" encoding="utf-8"?>
+<p:notes xmlns:a="http://schemas.openxmlformats.org/drawingml/2006/main" xmlns:r="http://schemas.openxmlformats.org/officeDocument/2006/relationships" xmlns:p="http://schemas.openxmlformats.org/presentationml/2006/main">
+  <p:cSld>
+    <p:spTree>
+      <p:nvGrpSpPr>
+        <p:cNvPr id="1" name=""/>
+        <p:cNvGrpSpPr/>
+        <p:nvPr/>
+      </p:nvGrpSpPr>
+      <p:grpSpPr>
+        <a:xfrm>
+          <a:off x="0" y="0"/>
+          <a:ext cx="0" cy="0"/>
+          <a:chOff x="0" y="0"/>
+          <a:chExt cx="0" cy="0"/>
+        </a:xfrm>
+      </p:grpSpPr>
+      <p:sp>
+        <p:nvSpPr>
+          <p:cNvPr id="2" name="Slide Image Placeholder 1"/>
+          <p:cNvSpPr>
+            <a:spLocks noGrp="1" noRot="1" noChangeAspect="1"/>
+          </p:cNvSpPr>
+          <p:nvPr>
+            <p:ph type="sldImg"/>
+          </p:nvPr>
+        </p:nvSpPr>
+        <p:spPr/>
+      </p:sp>
+      <p:sp>
+        <p:nvSpPr>
+          <p:cNvPr id="3" name="Notes Placeholder 2"/>
+          <p:cNvSpPr>
+            <a:spLocks noGrp="1"/>
+          </p:cNvSpPr>
+          <p:nvPr>
+            <p:ph type="body" idx="1"/>
+          </p:nvPr>
+        </p:nvSpPr>
+        <p:spPr/>
+        <p:txBody>
+          <a:bodyPr/>
+          <a:lstStyle/>
+          <a:p>
+            <a:r>
+              <a:rPr lang="en-IN" dirty="0"/>
+              <a:t>Add </a:t>
+            </a:r>
+            <a:r>
+              <a:rPr lang="en-IN" dirty="0" err="1"/>
+              <a:t>TimeTracker</a:t>
+            </a:r>
+            <a:r>
+              <a:rPr lang="en-IN" dirty="0"/>
+              <a:t> functionality</a:t>
+            </a:r>
+          </a:p>
+        </p:txBody>
+      </p:sp>
+      <p:sp>
+        <p:nvSpPr>
+          <p:cNvPr id="4" name="Slide Number Placeholder 3"/>
+          <p:cNvSpPr>
+            <a:spLocks noGrp="1"/>
+          </p:cNvSpPr>
+          <p:nvPr>
+            <p:ph type="sldNum" sz="quarter" idx="5"/>
+          </p:nvPr>
+        </p:nvSpPr>
+        <p:spPr/>
+        <p:txBody>
+          <a:bodyPr/>
+          <a:lstStyle/>
+          <a:p>
+            <a:fld id="{F93199CD-3E1B-4AE6-990F-76F925F5EA9F}" type="slidenum">
+              <a:rPr lang="en-IN" smtClean="0"/>
+              <a:t>6</a:t>
+            </a:fld>
+            <a:endParaRPr lang="en-IN"/>
+          </a:p>
+        </p:txBody>
+      </p:sp>
+    </p:spTree>
+    <p:extLst>
+      <p:ext uri="{BB962C8B-B14F-4D97-AF65-F5344CB8AC3E}">
+        <p14:creationId xmlns:p14="http://schemas.microsoft.com/office/powerpoint/2010/main" val="1127623263"/>
+      </p:ext>
+    </p:extLst>
+  </p:cSld>
+  <p:clrMapOvr>
+    <a:masterClrMapping/>
+  </p:clrMapOvr>
+</p:notes>
 </file>
 
 <file path=ppt/slideLayouts/slideLayout1.xml><?xml version="1.0" encoding="utf-8"?>
@@ -5928,9 +6023,9 @@
         <p:grpSpPr>
           <a:xfrm>
             <a:off x="1392366" y="1835130"/>
-            <a:ext cx="9404092" cy="4666193"/>
+            <a:ext cx="9404093" cy="3519651"/>
             <a:chOff x="803225" y="1904637"/>
-            <a:chExt cx="9404092" cy="4666193"/>
+            <a:chExt cx="9404093" cy="3519651"/>
           </a:xfrm>
         </p:grpSpPr>
         <p:sp>
@@ -6236,105 +6331,6 @@
         </p:sp>
         <p:sp>
           <p:nvSpPr>
-            <p:cNvPr id="20" name="Oval 19">
-              <a:extLst>
-                <a:ext uri="{FF2B5EF4-FFF2-40B4-BE49-F238E27FC236}">
-                  <a16:creationId xmlns:a16="http://schemas.microsoft.com/office/drawing/2014/main" id="{71086E6F-86A3-4E27-9F13-EC077B3E7994}"/>
-                </a:ext>
-              </a:extLst>
-            </p:cNvPr>
-            <p:cNvSpPr/>
-            <p:nvPr/>
-          </p:nvSpPr>
-          <p:spPr>
-            <a:xfrm>
-              <a:off x="4492626" y="5042897"/>
-              <a:ext cx="1728247" cy="897396"/>
-            </a:xfrm>
-            <a:prstGeom prst="ellipse">
-              <a:avLst/>
-            </a:prstGeom>
-          </p:spPr>
-          <p:style>
-            <a:lnRef idx="2">
-              <a:schemeClr val="accent1">
-                <a:shade val="50000"/>
-              </a:schemeClr>
-            </a:lnRef>
-            <a:fillRef idx="1">
-              <a:schemeClr val="accent1"/>
-            </a:fillRef>
-            <a:effectRef idx="0">
-              <a:schemeClr val="accent1"/>
-            </a:effectRef>
-            <a:fontRef idx="minor">
-              <a:schemeClr val="lt1"/>
-            </a:fontRef>
-          </p:style>
-          <p:txBody>
-            <a:bodyPr rtlCol="0" anchor="ctr"/>
-            <a:lstStyle/>
-            <a:p>
-              <a:pPr algn="ctr"/>
-              <a:r>
-                <a:rPr lang="en-US" sz="1400"/>
-                <a:t>Public/private feature</a:t>
-              </a:r>
-            </a:p>
-          </p:txBody>
-        </p:sp>
-        <p:sp>
-          <p:nvSpPr>
-            <p:cNvPr id="21" name="Rectangle 20">
-              <a:extLst>
-                <a:ext uri="{FF2B5EF4-FFF2-40B4-BE49-F238E27FC236}">
-                  <a16:creationId xmlns:a16="http://schemas.microsoft.com/office/drawing/2014/main" id="{70124986-728C-4F6A-B294-32AA643275FE}"/>
-                </a:ext>
-              </a:extLst>
-            </p:cNvPr>
-            <p:cNvSpPr/>
-            <p:nvPr/>
-          </p:nvSpPr>
-          <p:spPr>
-            <a:xfrm>
-              <a:off x="4282348" y="5786790"/>
-              <a:ext cx="2143667" cy="784040"/>
-            </a:xfrm>
-            <a:prstGeom prst="rect">
-              <a:avLst/>
-            </a:prstGeom>
-          </p:spPr>
-          <p:style>
-            <a:lnRef idx="2">
-              <a:schemeClr val="accent3">
-                <a:shade val="50000"/>
-              </a:schemeClr>
-            </a:lnRef>
-            <a:fillRef idx="1">
-              <a:schemeClr val="accent3"/>
-            </a:fillRef>
-            <a:effectRef idx="0">
-              <a:schemeClr val="accent3"/>
-            </a:effectRef>
-            <a:fontRef idx="minor">
-              <a:schemeClr val="lt1"/>
-            </a:fontRef>
-          </p:style>
-          <p:txBody>
-            <a:bodyPr rtlCol="0" anchor="ctr"/>
-            <a:lstStyle/>
-            <a:p>
-              <a:pPr algn="ctr"/>
-              <a:r>
-                <a:rPr lang="en-US" sz="1400"/>
-                <a:t>Drpodown List to specify which Assignment to make pulic</a:t>
-              </a:r>
-              <a:endParaRPr lang="en-US" sz="1400" dirty="0"/>
-            </a:p>
-          </p:txBody>
-        </p:sp>
-        <p:sp>
-          <p:nvSpPr>
             <p:cNvPr id="23" name="Cylinder 22">
               <a:extLst>
                 <a:ext uri="{FF2B5EF4-FFF2-40B4-BE49-F238E27FC236}">
@@ -6347,7 +6343,7 @@
           </p:nvSpPr>
           <p:spPr>
             <a:xfrm>
-              <a:off x="8394096" y="2495941"/>
+              <a:off x="8394097" y="2495942"/>
               <a:ext cx="1813221" cy="2928346"/>
             </a:xfrm>
             <a:prstGeom prst="can">
@@ -6405,7 +6401,7 @@
           <p:spPr>
             <a:xfrm>
               <a:off x="6026805" y="2329720"/>
-              <a:ext cx="2367291" cy="1630394"/>
+              <a:ext cx="2367292" cy="1630395"/>
             </a:xfrm>
             <a:prstGeom prst="straightConnector1">
               <a:avLst/>
@@ -6446,52 +6442,9 @@
             <p:nvPr/>
           </p:nvCxnSpPr>
           <p:spPr>
-            <a:xfrm flipV="1">
-              <a:off x="6095734" y="3960114"/>
-              <a:ext cx="2298362" cy="1"/>
-            </a:xfrm>
-            <a:prstGeom prst="straightConnector1">
-              <a:avLst/>
-            </a:prstGeom>
-            <a:ln>
-              <a:tailEnd type="triangle"/>
-            </a:ln>
-          </p:spPr>
-          <p:style>
-            <a:lnRef idx="1">
-              <a:schemeClr val="accent1"/>
-            </a:lnRef>
-            <a:fillRef idx="0">
-              <a:schemeClr val="accent1"/>
-            </a:fillRef>
-            <a:effectRef idx="0">
-              <a:schemeClr val="accent1"/>
-            </a:effectRef>
-            <a:fontRef idx="minor">
-              <a:schemeClr val="tx1"/>
-            </a:fontRef>
-          </p:style>
-        </p:cxnSp>
-        <p:cxnSp>
-          <p:nvCxnSpPr>
-            <p:cNvPr id="26" name="Straight Arrow Connector 25">
-              <a:extLst>
-                <a:ext uri="{FF2B5EF4-FFF2-40B4-BE49-F238E27FC236}">
-                  <a16:creationId xmlns:a16="http://schemas.microsoft.com/office/drawing/2014/main" id="{4D86B3E1-4871-4282-BA99-00CC59198406}"/>
-                </a:ext>
-              </a:extLst>
-            </p:cNvPr>
-            <p:cNvCxnSpPr>
-              <a:cxnSpLocks/>
-              <a:stCxn id="20" idx="6"/>
-              <a:endCxn id="23" idx="2"/>
-            </p:cNvCxnSpPr>
-            <p:nvPr/>
-          </p:nvCxnSpPr>
-          <p:spPr>
-            <a:xfrm flipV="1">
-              <a:off x="6220873" y="3960114"/>
-              <a:ext cx="2173223" cy="1531481"/>
+            <a:xfrm>
+              <a:off x="6095734" y="3960115"/>
+              <a:ext cx="2298363" cy="0"/>
             </a:xfrm>
             <a:prstGeom prst="straightConnector1">
               <a:avLst/>
@@ -6601,56 +6554,56 @@
             </a:fontRef>
           </p:style>
         </p:cxnSp>
-        <p:cxnSp>
-          <p:nvCxnSpPr>
-            <p:cNvPr id="29" name="Straight Arrow Connector 28">
-              <a:extLst>
-                <a:ext uri="{FF2B5EF4-FFF2-40B4-BE49-F238E27FC236}">
-                  <a16:creationId xmlns:a16="http://schemas.microsoft.com/office/drawing/2014/main" id="{087B7C5E-8154-4765-B092-9859A40734DE}"/>
-                </a:ext>
-              </a:extLst>
-            </p:cNvPr>
-            <p:cNvCxnSpPr>
-              <a:cxnSpLocks/>
-              <a:stCxn id="14" idx="6"/>
-              <a:endCxn id="20" idx="2"/>
-            </p:cNvCxnSpPr>
-            <p:nvPr/>
-          </p:nvCxnSpPr>
-          <p:spPr>
-            <a:xfrm>
-              <a:off x="3420216" y="3964841"/>
-              <a:ext cx="1072410" cy="1526754"/>
-            </a:xfrm>
-            <a:prstGeom prst="straightConnector1">
-              <a:avLst/>
-            </a:prstGeom>
-            <a:ln>
-              <a:tailEnd type="triangle"/>
-            </a:ln>
-          </p:spPr>
-          <p:style>
-            <a:lnRef idx="1">
-              <a:schemeClr val="accent1"/>
-            </a:lnRef>
-            <a:fillRef idx="0">
-              <a:schemeClr val="accent1"/>
-            </a:fillRef>
-            <a:effectRef idx="0">
-              <a:schemeClr val="accent1"/>
-            </a:effectRef>
-            <a:fontRef idx="minor">
-              <a:schemeClr val="tx1"/>
-            </a:fontRef>
-          </p:style>
-        </p:cxnSp>
       </p:grpSp>
-      <p:sp>
-        <p:nvSpPr>
-          <p:cNvPr id="32" name="Rectangle 31">
+      <p:cxnSp>
+        <p:nvCxnSpPr>
+          <p:cNvPr id="36" name="Straight Arrow Connector 35">
             <a:extLst>
               <a:ext uri="{FF2B5EF4-FFF2-40B4-BE49-F238E27FC236}">
-                <a16:creationId xmlns:a16="http://schemas.microsoft.com/office/drawing/2014/main" id="{1DD5B43B-07F1-467B-9742-95FB45B5C824}"/>
+                <a16:creationId xmlns:a16="http://schemas.microsoft.com/office/drawing/2014/main" id="{07EE32AB-00A1-4650-8A45-91DDFC193A6E}"/>
+              </a:ext>
+            </a:extLst>
+          </p:cNvPr>
+          <p:cNvCxnSpPr>
+            <a:cxnSpLocks/>
+            <a:stCxn id="14" idx="6"/>
+            <a:endCxn id="15" idx="2"/>
+          </p:cNvCxnSpPr>
+          <p:nvPr/>
+        </p:nvCxnSpPr>
+        <p:spPr>
+          <a:xfrm flipV="1">
+            <a:off x="4009357" y="2260213"/>
+            <a:ext cx="1001079" cy="1635121"/>
+          </a:xfrm>
+          <a:prstGeom prst="straightConnector1">
+            <a:avLst/>
+          </a:prstGeom>
+          <a:ln>
+            <a:tailEnd type="triangle"/>
+          </a:ln>
+        </p:spPr>
+        <p:style>
+          <a:lnRef idx="1">
+            <a:schemeClr val="accent1"/>
+          </a:lnRef>
+          <a:fillRef idx="0">
+            <a:schemeClr val="accent1"/>
+          </a:fillRef>
+          <a:effectRef idx="0">
+            <a:schemeClr val="accent1"/>
+          </a:effectRef>
+          <a:fontRef idx="minor">
+            <a:schemeClr val="tx1"/>
+          </a:fontRef>
+        </p:style>
+      </p:cxnSp>
+      <p:sp>
+        <p:nvSpPr>
+          <p:cNvPr id="37" name="Rectangle 36">
+            <a:extLst>
+              <a:ext uri="{FF2B5EF4-FFF2-40B4-BE49-F238E27FC236}">
+                <a16:creationId xmlns:a16="http://schemas.microsoft.com/office/drawing/2014/main" id="{A510DD5E-65FC-4CCC-854A-E8B7B6B10FF8}"/>
               </a:ext>
             </a:extLst>
           </p:cNvPr>
@@ -6659,8 +6612,420 @@
         </p:nvSpPr>
         <p:spPr>
           <a:xfrm>
-            <a:off x="7667110" y="5622820"/>
-            <a:ext cx="1784896" cy="972966"/>
+            <a:off x="2031858" y="1691830"/>
+            <a:ext cx="1482771" cy="1142998"/>
+          </a:xfrm>
+          <a:prstGeom prst="rect">
+            <a:avLst/>
+          </a:prstGeom>
+        </p:spPr>
+        <p:style>
+          <a:lnRef idx="2">
+            <a:schemeClr val="accent2">
+              <a:shade val="50000"/>
+            </a:schemeClr>
+          </a:lnRef>
+          <a:fillRef idx="1">
+            <a:schemeClr val="accent2"/>
+          </a:fillRef>
+          <a:effectRef idx="0">
+            <a:schemeClr val="accent2"/>
+          </a:effectRef>
+          <a:fontRef idx="minor">
+            <a:schemeClr val="lt1"/>
+          </a:fontRef>
+        </p:style>
+        <p:txBody>
+          <a:bodyPr rtlCol="0" anchor="ctr"/>
+          <a:lstStyle/>
+          <a:p>
+            <a:pPr algn="ctr"/>
+            <a:r>
+              <a:rPr lang="en-US" sz="1400">
+                <a:ea typeface="+mn-lt"/>
+                <a:cs typeface="+mn-lt"/>
+              </a:rPr>
+              <a:t>S2:</a:t>
+            </a:r>
+          </a:p>
+          <a:p>
+            <a:pPr algn="ctr"/>
+            <a:r>
+              <a:rPr lang="en-US" sz="1400">
+                <a:ea typeface="+mn-lt"/>
+                <a:cs typeface="+mn-lt"/>
+              </a:rPr>
+              <a:t>TSV-Search option only</a:t>
+            </a:r>
+          </a:p>
+        </p:txBody>
+      </p:sp>
+    </p:spTree>
+    <p:extLst>
+      <p:ext uri="{BB962C8B-B14F-4D97-AF65-F5344CB8AC3E}">
+        <p14:creationId xmlns:p14="http://schemas.microsoft.com/office/powerpoint/2010/main" val="2681425051"/>
+      </p:ext>
+    </p:extLst>
+  </p:cSld>
+  <p:clrMapOvr>
+    <a:masterClrMapping/>
+  </p:clrMapOvr>
+  <mc:AlternateContent xmlns:mc="http://schemas.openxmlformats.org/markup-compatibility/2006" xmlns:p14="http://schemas.microsoft.com/office/powerpoint/2010/main">
+    <mc:Choice Requires="p14">
+      <p:transition spd="med" p14:dur="700">
+        <p:fade/>
+      </p:transition>
+    </mc:Choice>
+    <mc:Fallback xmlns="">
+      <p:transition spd="med">
+        <p:fade/>
+      </p:transition>
+    </mc:Fallback>
+  </mc:AlternateContent>
+</p:sld>
+</file>
+
+<file path=ppt/slides/slide4.xml><?xml version="1.0" encoding="utf-8"?>
+<p:sld xmlns:a="http://schemas.openxmlformats.org/drawingml/2006/main" xmlns:r="http://schemas.openxmlformats.org/officeDocument/2006/relationships" xmlns:p="http://schemas.openxmlformats.org/presentationml/2006/main">
+  <p:cSld>
+    <p:spTree>
+      <p:nvGrpSpPr>
+        <p:cNvPr id="1" name=""/>
+        <p:cNvGrpSpPr/>
+        <p:nvPr/>
+      </p:nvGrpSpPr>
+      <p:grpSpPr>
+        <a:xfrm>
+          <a:off x="0" y="0"/>
+          <a:ext cx="0" cy="0"/>
+          <a:chOff x="0" y="0"/>
+          <a:chExt cx="0" cy="0"/>
+        </a:xfrm>
+      </p:grpSpPr>
+      <p:sp>
+        <p:nvSpPr>
+          <p:cNvPr id="13" name="Title 12"/>
+          <p:cNvSpPr>
+            <a:spLocks noGrp="1"/>
+          </p:cNvSpPr>
+          <p:nvPr>
+            <p:ph type="title"/>
+          </p:nvPr>
+        </p:nvSpPr>
+        <p:spPr/>
+        <p:txBody>
+          <a:bodyPr/>
+          <a:lstStyle/>
+          <a:p>
+            <a:r>
+              <a:rPr lang="en-US"/>
+              <a:t>S3:Meeting RSVPs</a:t>
+            </a:r>
+          </a:p>
+        </p:txBody>
+      </p:sp>
+      <p:sp>
+        <p:nvSpPr>
+          <p:cNvPr id="4" name="Rectangle 3">
+            <a:extLst>
+              <a:ext uri="{FF2B5EF4-FFF2-40B4-BE49-F238E27FC236}">
+                <a16:creationId xmlns:a16="http://schemas.microsoft.com/office/drawing/2014/main" id="{75C5E03B-9394-4A93-9509-B422E48BAA40}"/>
+              </a:ext>
+            </a:extLst>
+          </p:cNvPr>
+          <p:cNvSpPr/>
+          <p:nvPr/>
+        </p:nvSpPr>
+        <p:spPr>
+          <a:xfrm>
+            <a:off x="2132012" y="3654230"/>
+            <a:ext cx="2030609" cy="731406"/>
+          </a:xfrm>
+          <a:prstGeom prst="rect">
+            <a:avLst/>
+          </a:prstGeom>
+        </p:spPr>
+        <p:style>
+          <a:lnRef idx="2">
+            <a:schemeClr val="accent3">
+              <a:shade val="50000"/>
+            </a:schemeClr>
+          </a:lnRef>
+          <a:fillRef idx="1">
+            <a:schemeClr val="accent3"/>
+          </a:fillRef>
+          <a:effectRef idx="0">
+            <a:schemeClr val="accent3"/>
+          </a:effectRef>
+          <a:fontRef idx="minor">
+            <a:schemeClr val="lt1"/>
+          </a:fontRef>
+        </p:style>
+        <p:txBody>
+          <a:bodyPr rtlCol="0" anchor="ctr"/>
+          <a:lstStyle/>
+          <a:p>
+            <a:pPr algn="ctr"/>
+            <a:r>
+              <a:rPr lang="en-US" dirty="0"/>
+              <a:t>Cards-GUI button</a:t>
+            </a:r>
+          </a:p>
+        </p:txBody>
+      </p:sp>
+      <p:sp>
+        <p:nvSpPr>
+          <p:cNvPr id="10" name="Rectangle 9">
+            <a:extLst>
+              <a:ext uri="{FF2B5EF4-FFF2-40B4-BE49-F238E27FC236}">
+                <a16:creationId xmlns:a16="http://schemas.microsoft.com/office/drawing/2014/main" id="{4513BE8B-C633-4D41-85D3-540B50109C96}"/>
+              </a:ext>
+            </a:extLst>
+          </p:cNvPr>
+          <p:cNvSpPr/>
+          <p:nvPr/>
+        </p:nvSpPr>
+        <p:spPr>
+          <a:xfrm>
+            <a:off x="5621935" y="3654230"/>
+            <a:ext cx="2030609" cy="731406"/>
+          </a:xfrm>
+          <a:prstGeom prst="rect">
+            <a:avLst/>
+          </a:prstGeom>
+        </p:spPr>
+        <p:style>
+          <a:lnRef idx="2">
+            <a:schemeClr val="accent3">
+              <a:shade val="50000"/>
+            </a:schemeClr>
+          </a:lnRef>
+          <a:fillRef idx="1">
+            <a:schemeClr val="accent3"/>
+          </a:fillRef>
+          <a:effectRef idx="0">
+            <a:schemeClr val="accent3"/>
+          </a:effectRef>
+          <a:fontRef idx="minor">
+            <a:schemeClr val="lt1"/>
+          </a:fontRef>
+        </p:style>
+        <p:txBody>
+          <a:bodyPr rtlCol="0" anchor="ctr"/>
+          <a:lstStyle/>
+          <a:p>
+            <a:pPr algn="ctr"/>
+            <a:r>
+              <a:rPr lang="en-US" dirty="0"/>
+              <a:t>Responding options –GUI</a:t>
+            </a:r>
+          </a:p>
+          <a:p>
+            <a:pPr algn="ctr"/>
+            <a:r>
+              <a:rPr lang="en-US" dirty="0"/>
+              <a:t>(yes/no)</a:t>
+            </a:r>
+          </a:p>
+        </p:txBody>
+      </p:sp>
+      <p:cxnSp>
+        <p:nvCxnSpPr>
+          <p:cNvPr id="8" name="Straight Arrow Connector 7">
+            <a:extLst>
+              <a:ext uri="{FF2B5EF4-FFF2-40B4-BE49-F238E27FC236}">
+                <a16:creationId xmlns:a16="http://schemas.microsoft.com/office/drawing/2014/main" id="{0C6EB02A-BF07-47CB-A4E6-2591C6107F57}"/>
+              </a:ext>
+            </a:extLst>
+          </p:cNvPr>
+          <p:cNvCxnSpPr>
+            <a:cxnSpLocks/>
+            <a:stCxn id="6" idx="3"/>
+            <a:endCxn id="4" idx="1"/>
+          </p:cNvCxnSpPr>
+          <p:nvPr/>
+        </p:nvCxnSpPr>
+        <p:spPr>
+          <a:xfrm>
+            <a:off x="985196" y="3940465"/>
+            <a:ext cx="1146816" cy="79468"/>
+          </a:xfrm>
+          <a:prstGeom prst="straightConnector1">
+            <a:avLst/>
+          </a:prstGeom>
+          <a:ln>
+            <a:tailEnd type="triangle"/>
+          </a:ln>
+        </p:spPr>
+        <p:style>
+          <a:lnRef idx="1">
+            <a:schemeClr val="accent1"/>
+          </a:lnRef>
+          <a:fillRef idx="0">
+            <a:schemeClr val="accent1"/>
+          </a:fillRef>
+          <a:effectRef idx="0">
+            <a:schemeClr val="accent1"/>
+          </a:effectRef>
+          <a:fontRef idx="minor">
+            <a:schemeClr val="tx1"/>
+          </a:fontRef>
+        </p:style>
+      </p:cxnSp>
+      <p:cxnSp>
+        <p:nvCxnSpPr>
+          <p:cNvPr id="14" name="Straight Arrow Connector 13">
+            <a:extLst>
+              <a:ext uri="{FF2B5EF4-FFF2-40B4-BE49-F238E27FC236}">
+                <a16:creationId xmlns:a16="http://schemas.microsoft.com/office/drawing/2014/main" id="{1F9E3EB7-DD8F-4C66-8B29-3ADD68068CD1}"/>
+              </a:ext>
+            </a:extLst>
+          </p:cNvPr>
+          <p:cNvCxnSpPr>
+            <a:cxnSpLocks/>
+            <a:stCxn id="4" idx="3"/>
+            <a:endCxn id="10" idx="1"/>
+          </p:cNvCxnSpPr>
+          <p:nvPr/>
+        </p:nvCxnSpPr>
+        <p:spPr>
+          <a:xfrm>
+            <a:off x="4162621" y="4019933"/>
+            <a:ext cx="1459314" cy="0"/>
+          </a:xfrm>
+          <a:prstGeom prst="straightConnector1">
+            <a:avLst/>
+          </a:prstGeom>
+          <a:ln>
+            <a:tailEnd type="triangle"/>
+          </a:ln>
+        </p:spPr>
+        <p:style>
+          <a:lnRef idx="1">
+            <a:schemeClr val="accent1"/>
+          </a:lnRef>
+          <a:fillRef idx="0">
+            <a:schemeClr val="accent1"/>
+          </a:fillRef>
+          <a:effectRef idx="0">
+            <a:schemeClr val="accent1"/>
+          </a:effectRef>
+          <a:fontRef idx="minor">
+            <a:schemeClr val="tx1"/>
+          </a:fontRef>
+        </p:style>
+      </p:cxnSp>
+      <p:sp>
+        <p:nvSpPr>
+          <p:cNvPr id="3" name="Cylinder 2">
+            <a:extLst>
+              <a:ext uri="{FF2B5EF4-FFF2-40B4-BE49-F238E27FC236}">
+                <a16:creationId xmlns:a16="http://schemas.microsoft.com/office/drawing/2014/main" id="{3738A5C5-4420-45D2-B7F5-7F568CCC5DB6}"/>
+              </a:ext>
+            </a:extLst>
+          </p:cNvPr>
+          <p:cNvSpPr/>
+          <p:nvPr/>
+        </p:nvSpPr>
+        <p:spPr>
+          <a:xfrm>
+            <a:off x="10685754" y="2057400"/>
+            <a:ext cx="1335316" cy="3488237"/>
+          </a:xfrm>
+          <a:prstGeom prst="can">
+            <a:avLst/>
+          </a:prstGeom>
+        </p:spPr>
+        <p:style>
+          <a:lnRef idx="2">
+            <a:schemeClr val="accent6">
+              <a:shade val="50000"/>
+            </a:schemeClr>
+          </a:lnRef>
+          <a:fillRef idx="1">
+            <a:schemeClr val="accent6"/>
+          </a:fillRef>
+          <a:effectRef idx="0">
+            <a:schemeClr val="accent6"/>
+          </a:effectRef>
+          <a:fontRef idx="minor">
+            <a:schemeClr val="lt1"/>
+          </a:fontRef>
+        </p:style>
+        <p:txBody>
+          <a:bodyPr rtlCol="0" anchor="ctr"/>
+          <a:lstStyle/>
+          <a:p>
+            <a:pPr algn="ctr"/>
+            <a:r>
+              <a:rPr lang="en-US" dirty="0" err="1"/>
+              <a:t>TimeSheet</a:t>
+            </a:r>
+            <a:r>
+              <a:rPr lang="en-US" dirty="0"/>
+              <a:t>-DB</a:t>
+            </a:r>
+          </a:p>
+        </p:txBody>
+      </p:sp>
+      <p:cxnSp>
+        <p:nvCxnSpPr>
+          <p:cNvPr id="18" name="Straight Arrow Connector 17">
+            <a:extLst>
+              <a:ext uri="{FF2B5EF4-FFF2-40B4-BE49-F238E27FC236}">
+                <a16:creationId xmlns:a16="http://schemas.microsoft.com/office/drawing/2014/main" id="{77A61742-80DF-4903-BD94-BAF0CD2C9BCB}"/>
+              </a:ext>
+            </a:extLst>
+          </p:cNvPr>
+          <p:cNvCxnSpPr>
+            <a:cxnSpLocks/>
+            <a:stCxn id="10" idx="3"/>
+          </p:cNvCxnSpPr>
+          <p:nvPr/>
+        </p:nvCxnSpPr>
+        <p:spPr>
+          <a:xfrm>
+            <a:off x="7652544" y="4019933"/>
+            <a:ext cx="361094" cy="46710"/>
+          </a:xfrm>
+          <a:prstGeom prst="straightConnector1">
+            <a:avLst/>
+          </a:prstGeom>
+          <a:ln>
+            <a:tailEnd type="triangle"/>
+          </a:ln>
+        </p:spPr>
+        <p:style>
+          <a:lnRef idx="1">
+            <a:schemeClr val="accent1"/>
+          </a:lnRef>
+          <a:fillRef idx="0">
+            <a:schemeClr val="accent1"/>
+          </a:fillRef>
+          <a:effectRef idx="0">
+            <a:schemeClr val="accent1"/>
+          </a:effectRef>
+          <a:fontRef idx="minor">
+            <a:schemeClr val="tx1"/>
+          </a:fontRef>
+        </p:style>
+      </p:cxnSp>
+      <p:sp>
+        <p:nvSpPr>
+          <p:cNvPr id="6" name="Rectangle 5">
+            <a:extLst>
+              <a:ext uri="{FF2B5EF4-FFF2-40B4-BE49-F238E27FC236}">
+                <a16:creationId xmlns:a16="http://schemas.microsoft.com/office/drawing/2014/main" id="{8CF1D669-D150-4674-BE3A-33F7F5C37F2F}"/>
+              </a:ext>
+            </a:extLst>
+          </p:cNvPr>
+          <p:cNvSpPr/>
+          <p:nvPr/>
+        </p:nvSpPr>
+        <p:spPr>
+          <a:xfrm>
+            <a:off x="18387" y="3079658"/>
+            <a:ext cx="966809" cy="1721613"/>
           </a:xfrm>
           <a:prstGeom prst="rect">
             <a:avLst/>
@@ -6788,131 +7153,45 @@
             <a:pPr algn="ctr"/>
             <a:r>
               <a:rPr lang="en-US"/>
-              <a:t>S2:TimeTracker</a:t>
-            </a:r>
-          </a:p>
-        </p:txBody>
-      </p:sp>
-      <p:cxnSp>
-        <p:nvCxnSpPr>
-          <p:cNvPr id="33" name="Straight Arrow Connector 32">
+              <a:t>S2</a:t>
+            </a:r>
+          </a:p>
+        </p:txBody>
+      </p:sp>
+      <p:sp>
+        <p:nvSpPr>
+          <p:cNvPr id="11" name="Oval 10">
             <a:extLst>
               <a:ext uri="{FF2B5EF4-FFF2-40B4-BE49-F238E27FC236}">
-                <a16:creationId xmlns:a16="http://schemas.microsoft.com/office/drawing/2014/main" id="{B5BACF85-1B3E-4EE1-AB19-08859D8F166C}"/>
+                <a16:creationId xmlns:a16="http://schemas.microsoft.com/office/drawing/2014/main" id="{771638D2-A25E-4B61-B3DA-91D4F4FCBA7E}"/>
               </a:ext>
             </a:extLst>
           </p:cNvPr>
-          <p:cNvCxnSpPr>
-            <a:cxnSpLocks/>
-            <a:stCxn id="21" idx="3"/>
-            <a:endCxn id="32" idx="1"/>
-          </p:cNvCxnSpPr>
+          <p:cNvSpPr/>
           <p:nvPr/>
-        </p:nvCxnSpPr>
+        </p:nvSpPr>
         <p:spPr>
           <a:xfrm>
-            <a:off x="7015156" y="6109303"/>
-            <a:ext cx="651954" cy="0"/>
+            <a:off x="8473774" y="3254558"/>
+            <a:ext cx="1459021" cy="1397445"/>
           </a:xfrm>
-          <a:prstGeom prst="straightConnector1">
+          <a:prstGeom prst="ellipse">
             <a:avLst/>
           </a:prstGeom>
-          <a:ln>
-            <a:tailEnd type="triangle"/>
-          </a:ln>
         </p:spPr>
         <p:style>
-          <a:lnRef idx="1">
-            <a:schemeClr val="accent1"/>
+          <a:lnRef idx="2">
+            <a:schemeClr val="accent1">
+              <a:shade val="50000"/>
+            </a:schemeClr>
           </a:lnRef>
-          <a:fillRef idx="0">
+          <a:fillRef idx="1">
             <a:schemeClr val="accent1"/>
           </a:fillRef>
           <a:effectRef idx="0">
             <a:schemeClr val="accent1"/>
           </a:effectRef>
           <a:fontRef idx="minor">
-            <a:schemeClr val="tx1"/>
-          </a:fontRef>
-        </p:style>
-      </p:cxnSp>
-      <p:cxnSp>
-        <p:nvCxnSpPr>
-          <p:cNvPr id="36" name="Straight Arrow Connector 35">
-            <a:extLst>
-              <a:ext uri="{FF2B5EF4-FFF2-40B4-BE49-F238E27FC236}">
-                <a16:creationId xmlns:a16="http://schemas.microsoft.com/office/drawing/2014/main" id="{07EE32AB-00A1-4650-8A45-91DDFC193A6E}"/>
-              </a:ext>
-            </a:extLst>
-          </p:cNvPr>
-          <p:cNvCxnSpPr>
-            <a:cxnSpLocks/>
-            <a:stCxn id="37" idx="3"/>
-            <a:endCxn id="15" idx="2"/>
-          </p:cNvCxnSpPr>
-          <p:nvPr/>
-        </p:nvCxnSpPr>
-        <p:spPr>
-          <a:xfrm flipV="1">
-            <a:off x="3514629" y="2260213"/>
-            <a:ext cx="1495807" cy="3116"/>
-          </a:xfrm>
-          <a:prstGeom prst="straightConnector1">
-            <a:avLst/>
-          </a:prstGeom>
-          <a:ln>
-            <a:tailEnd type="triangle"/>
-          </a:ln>
-        </p:spPr>
-        <p:style>
-          <a:lnRef idx="1">
-            <a:schemeClr val="accent1"/>
-          </a:lnRef>
-          <a:fillRef idx="0">
-            <a:schemeClr val="accent1"/>
-          </a:fillRef>
-          <a:effectRef idx="0">
-            <a:schemeClr val="accent1"/>
-          </a:effectRef>
-          <a:fontRef idx="minor">
-            <a:schemeClr val="tx1"/>
-          </a:fontRef>
-        </p:style>
-      </p:cxnSp>
-      <p:sp>
-        <p:nvSpPr>
-          <p:cNvPr id="37" name="Rectangle 36">
-            <a:extLst>
-              <a:ext uri="{FF2B5EF4-FFF2-40B4-BE49-F238E27FC236}">
-                <a16:creationId xmlns:a16="http://schemas.microsoft.com/office/drawing/2014/main" id="{A510DD5E-65FC-4CCC-854A-E8B7B6B10FF8}"/>
-              </a:ext>
-            </a:extLst>
-          </p:cNvPr>
-          <p:cNvSpPr/>
-          <p:nvPr/>
-        </p:nvSpPr>
-        <p:spPr>
-          <a:xfrm>
-            <a:off x="2031858" y="1691830"/>
-            <a:ext cx="1482771" cy="1142998"/>
-          </a:xfrm>
-          <a:prstGeom prst="rect">
-            <a:avLst/>
-          </a:prstGeom>
-        </p:spPr>
-        <p:style>
-          <a:lnRef idx="2">
-            <a:schemeClr val="accent2">
-              <a:shade val="50000"/>
-            </a:schemeClr>
-          </a:lnRef>
-          <a:fillRef idx="1">
-            <a:schemeClr val="accent2"/>
-          </a:fillRef>
-          <a:effectRef idx="0">
-            <a:schemeClr val="accent2"/>
-          </a:effectRef>
-          <a:fontRef idx="minor">
             <a:schemeClr val="lt1"/>
           </a:fontRef>
         </p:style>
@@ -6922,520 +7201,8 @@
           <a:p>
             <a:pPr algn="ctr"/>
             <a:r>
-              <a:rPr lang="en-US" sz="1400">
-                <a:ea typeface="+mn-lt"/>
-                <a:cs typeface="+mn-lt"/>
-              </a:rPr>
-              <a:t>S2:</a:t>
-            </a:r>
-          </a:p>
-          <a:p>
-            <a:pPr algn="ctr"/>
-            <a:r>
-              <a:rPr lang="en-US" sz="1400">
-                <a:ea typeface="+mn-lt"/>
-                <a:cs typeface="+mn-lt"/>
-              </a:rPr>
-              <a:t>TSV-Search option only</a:t>
-            </a:r>
-          </a:p>
-        </p:txBody>
-      </p:sp>
-    </p:spTree>
-    <p:extLst>
-      <p:ext uri="{BB962C8B-B14F-4D97-AF65-F5344CB8AC3E}">
-        <p14:creationId xmlns:p14="http://schemas.microsoft.com/office/powerpoint/2010/main" val="2681425051"/>
-      </p:ext>
-    </p:extLst>
-  </p:cSld>
-  <p:clrMapOvr>
-    <a:masterClrMapping/>
-  </p:clrMapOvr>
-  <mc:AlternateContent xmlns:mc="http://schemas.openxmlformats.org/markup-compatibility/2006" xmlns:p14="http://schemas.microsoft.com/office/powerpoint/2010/main">
-    <mc:Choice Requires="p14">
-      <p:transition spd="med" p14:dur="700">
-        <p:fade/>
-      </p:transition>
-    </mc:Choice>
-    <mc:Fallback xmlns="">
-      <p:transition spd="med">
-        <p:fade/>
-      </p:transition>
-    </mc:Fallback>
-  </mc:AlternateContent>
-</p:sld>
-</file>
-
-<file path=ppt/slides/slide4.xml><?xml version="1.0" encoding="utf-8"?>
-<p:sld xmlns:a="http://schemas.openxmlformats.org/drawingml/2006/main" xmlns:r="http://schemas.openxmlformats.org/officeDocument/2006/relationships" xmlns:p="http://schemas.openxmlformats.org/presentationml/2006/main">
-  <p:cSld>
-    <p:spTree>
-      <p:nvGrpSpPr>
-        <p:cNvPr id="1" name=""/>
-        <p:cNvGrpSpPr/>
-        <p:nvPr/>
-      </p:nvGrpSpPr>
-      <p:grpSpPr>
-        <a:xfrm>
-          <a:off x="0" y="0"/>
-          <a:ext cx="0" cy="0"/>
-          <a:chOff x="0" y="0"/>
-          <a:chExt cx="0" cy="0"/>
-        </a:xfrm>
-      </p:grpSpPr>
-      <p:sp>
-        <p:nvSpPr>
-          <p:cNvPr id="13" name="Title 12"/>
-          <p:cNvSpPr>
-            <a:spLocks noGrp="1"/>
-          </p:cNvSpPr>
-          <p:nvPr>
-            <p:ph type="title"/>
-          </p:nvPr>
-        </p:nvSpPr>
-        <p:spPr/>
-        <p:txBody>
-          <a:bodyPr/>
-          <a:lstStyle/>
-          <a:p>
-            <a:r>
-              <a:rPr lang="en-US"/>
-              <a:t>S3:Meeting RSVPs</a:t>
-            </a:r>
-          </a:p>
-        </p:txBody>
-      </p:sp>
-      <p:sp>
-        <p:nvSpPr>
-          <p:cNvPr id="4" name="Rectangle 3">
-            <a:extLst>
-              <a:ext uri="{FF2B5EF4-FFF2-40B4-BE49-F238E27FC236}">
-                <a16:creationId xmlns:a16="http://schemas.microsoft.com/office/drawing/2014/main" id="{75C5E03B-9394-4A93-9509-B422E48BAA40}"/>
-              </a:ext>
-            </a:extLst>
-          </p:cNvPr>
-          <p:cNvSpPr/>
-          <p:nvPr/>
-        </p:nvSpPr>
-        <p:spPr>
-          <a:xfrm>
-            <a:off x="2757592" y="3850302"/>
-            <a:ext cx="2757358" cy="614009"/>
-          </a:xfrm>
-          <a:prstGeom prst="rect">
-            <a:avLst/>
-          </a:prstGeom>
-        </p:spPr>
-        <p:style>
-          <a:lnRef idx="2">
-            <a:schemeClr val="accent3">
-              <a:shade val="50000"/>
-            </a:schemeClr>
-          </a:lnRef>
-          <a:fillRef idx="1">
-            <a:schemeClr val="accent3"/>
-          </a:fillRef>
-          <a:effectRef idx="0">
-            <a:schemeClr val="accent3"/>
-          </a:effectRef>
-          <a:fontRef idx="minor">
-            <a:schemeClr val="lt1"/>
-          </a:fontRef>
-        </p:style>
-        <p:txBody>
-          <a:bodyPr rtlCol="0" anchor="ctr"/>
-          <a:lstStyle/>
-          <a:p>
-            <a:pPr algn="ctr"/>
-            <a:r>
-              <a:rPr lang="en-US" dirty="0"/>
-              <a:t>Cards-GUI button</a:t>
-            </a:r>
-          </a:p>
-        </p:txBody>
-      </p:sp>
-      <p:sp>
-        <p:nvSpPr>
-          <p:cNvPr id="10" name="Rectangle 9">
-            <a:extLst>
-              <a:ext uri="{FF2B5EF4-FFF2-40B4-BE49-F238E27FC236}">
-                <a16:creationId xmlns:a16="http://schemas.microsoft.com/office/drawing/2014/main" id="{4513BE8B-C633-4D41-85D3-540B50109C96}"/>
-              </a:ext>
-            </a:extLst>
-          </p:cNvPr>
-          <p:cNvSpPr/>
-          <p:nvPr/>
-        </p:nvSpPr>
-        <p:spPr>
-          <a:xfrm>
-            <a:off x="6392921" y="3850301"/>
-            <a:ext cx="2757358" cy="614009"/>
-          </a:xfrm>
-          <a:prstGeom prst="rect">
-            <a:avLst/>
-          </a:prstGeom>
-        </p:spPr>
-        <p:style>
-          <a:lnRef idx="2">
-            <a:schemeClr val="accent3">
-              <a:shade val="50000"/>
-            </a:schemeClr>
-          </a:lnRef>
-          <a:fillRef idx="1">
-            <a:schemeClr val="accent3"/>
-          </a:fillRef>
-          <a:effectRef idx="0">
-            <a:schemeClr val="accent3"/>
-          </a:effectRef>
-          <a:fontRef idx="minor">
-            <a:schemeClr val="lt1"/>
-          </a:fontRef>
-        </p:style>
-        <p:txBody>
-          <a:bodyPr rtlCol="0" anchor="ctr"/>
-          <a:lstStyle/>
-          <a:p>
-            <a:pPr algn="ctr"/>
-            <a:r>
-              <a:rPr lang="en-US" dirty="0"/>
-              <a:t>Responding options –GUI</a:t>
-            </a:r>
-          </a:p>
-          <a:p>
-            <a:pPr algn="ctr"/>
-            <a:r>
-              <a:rPr lang="en-US" dirty="0"/>
-              <a:t>(yes/no)</a:t>
-            </a:r>
-          </a:p>
-        </p:txBody>
-      </p:sp>
-      <p:cxnSp>
-        <p:nvCxnSpPr>
-          <p:cNvPr id="8" name="Straight Arrow Connector 7">
-            <a:extLst>
-              <a:ext uri="{FF2B5EF4-FFF2-40B4-BE49-F238E27FC236}">
-                <a16:creationId xmlns:a16="http://schemas.microsoft.com/office/drawing/2014/main" id="{0C6EB02A-BF07-47CB-A4E6-2591C6107F57}"/>
-              </a:ext>
-            </a:extLst>
-          </p:cNvPr>
-          <p:cNvCxnSpPr>
-            <a:cxnSpLocks/>
-            <a:stCxn id="6" idx="3"/>
-            <a:endCxn id="4" idx="1"/>
-          </p:cNvCxnSpPr>
-          <p:nvPr/>
-        </p:nvCxnSpPr>
-        <p:spPr>
-          <a:xfrm>
-            <a:off x="1879621" y="4151640"/>
-            <a:ext cx="877971" cy="5667"/>
-          </a:xfrm>
-          <a:prstGeom prst="straightConnector1">
-            <a:avLst/>
-          </a:prstGeom>
-          <a:ln>
-            <a:tailEnd type="triangle"/>
-          </a:ln>
-        </p:spPr>
-        <p:style>
-          <a:lnRef idx="1">
-            <a:schemeClr val="accent1"/>
-          </a:lnRef>
-          <a:fillRef idx="0">
-            <a:schemeClr val="accent1"/>
-          </a:fillRef>
-          <a:effectRef idx="0">
-            <a:schemeClr val="accent1"/>
-          </a:effectRef>
-          <a:fontRef idx="minor">
-            <a:schemeClr val="tx1"/>
-          </a:fontRef>
-        </p:style>
-      </p:cxnSp>
-      <p:cxnSp>
-        <p:nvCxnSpPr>
-          <p:cNvPr id="14" name="Straight Arrow Connector 13">
-            <a:extLst>
-              <a:ext uri="{FF2B5EF4-FFF2-40B4-BE49-F238E27FC236}">
-                <a16:creationId xmlns:a16="http://schemas.microsoft.com/office/drawing/2014/main" id="{1F9E3EB7-DD8F-4C66-8B29-3ADD68068CD1}"/>
-              </a:ext>
-            </a:extLst>
-          </p:cNvPr>
-          <p:cNvCxnSpPr>
-            <a:cxnSpLocks/>
-            <a:stCxn id="4" idx="3"/>
-            <a:endCxn id="10" idx="1"/>
-          </p:cNvCxnSpPr>
-          <p:nvPr/>
-        </p:nvCxnSpPr>
-        <p:spPr>
-          <a:xfrm flipV="1">
-            <a:off x="5514950" y="4157306"/>
-            <a:ext cx="877971" cy="1"/>
-          </a:xfrm>
-          <a:prstGeom prst="straightConnector1">
-            <a:avLst/>
-          </a:prstGeom>
-          <a:ln>
-            <a:tailEnd type="triangle"/>
-          </a:ln>
-        </p:spPr>
-        <p:style>
-          <a:lnRef idx="1">
-            <a:schemeClr val="accent1"/>
-          </a:lnRef>
-          <a:fillRef idx="0">
-            <a:schemeClr val="accent1"/>
-          </a:fillRef>
-          <a:effectRef idx="0">
-            <a:schemeClr val="accent1"/>
-          </a:effectRef>
-          <a:fontRef idx="minor">
-            <a:schemeClr val="tx1"/>
-          </a:fontRef>
-        </p:style>
-      </p:cxnSp>
-      <p:sp>
-        <p:nvSpPr>
-          <p:cNvPr id="3" name="Cylinder 2">
-            <a:extLst>
-              <a:ext uri="{FF2B5EF4-FFF2-40B4-BE49-F238E27FC236}">
-                <a16:creationId xmlns:a16="http://schemas.microsoft.com/office/drawing/2014/main" id="{3738A5C5-4420-45D2-B7F5-7F568CCC5DB6}"/>
-              </a:ext>
-            </a:extLst>
-          </p:cNvPr>
-          <p:cNvSpPr/>
-          <p:nvPr/>
-        </p:nvSpPr>
-        <p:spPr>
-          <a:xfrm>
-            <a:off x="10065221" y="2688679"/>
-            <a:ext cx="1813221" cy="2928346"/>
-          </a:xfrm>
-          <a:prstGeom prst="can">
-            <a:avLst/>
-          </a:prstGeom>
-        </p:spPr>
-        <p:style>
-          <a:lnRef idx="2">
-            <a:schemeClr val="accent6">
-              <a:shade val="50000"/>
-            </a:schemeClr>
-          </a:lnRef>
-          <a:fillRef idx="1">
-            <a:schemeClr val="accent6"/>
-          </a:fillRef>
-          <a:effectRef idx="0">
-            <a:schemeClr val="accent6"/>
-          </a:effectRef>
-          <a:fontRef idx="minor">
-            <a:schemeClr val="lt1"/>
-          </a:fontRef>
-        </p:style>
-        <p:txBody>
-          <a:bodyPr rtlCol="0" anchor="ctr"/>
-          <a:lstStyle/>
-          <a:p>
-            <a:pPr algn="ctr"/>
-            <a:r>
-              <a:rPr lang="en-US" dirty="0" err="1"/>
-              <a:t>TimeSheet</a:t>
-            </a:r>
-            <a:r>
-              <a:rPr lang="en-US" dirty="0"/>
-              <a:t>-DB</a:t>
-            </a:r>
-          </a:p>
-        </p:txBody>
-      </p:sp>
-      <p:cxnSp>
-        <p:nvCxnSpPr>
-          <p:cNvPr id="18" name="Straight Arrow Connector 17">
-            <a:extLst>
-              <a:ext uri="{FF2B5EF4-FFF2-40B4-BE49-F238E27FC236}">
-                <a16:creationId xmlns:a16="http://schemas.microsoft.com/office/drawing/2014/main" id="{77A61742-80DF-4903-BD94-BAF0CD2C9BCB}"/>
-              </a:ext>
-            </a:extLst>
-          </p:cNvPr>
-          <p:cNvCxnSpPr>
-            <a:cxnSpLocks/>
-            <a:stCxn id="10" idx="3"/>
-            <a:endCxn id="3" idx="2"/>
-          </p:cNvCxnSpPr>
-          <p:nvPr/>
-        </p:nvCxnSpPr>
-        <p:spPr>
-          <a:xfrm flipV="1">
-            <a:off x="9150279" y="4152852"/>
-            <a:ext cx="914942" cy="4454"/>
-          </a:xfrm>
-          <a:prstGeom prst="straightConnector1">
-            <a:avLst/>
-          </a:prstGeom>
-          <a:ln>
-            <a:tailEnd type="triangle"/>
-          </a:ln>
-        </p:spPr>
-        <p:style>
-          <a:lnRef idx="1">
-            <a:schemeClr val="accent1"/>
-          </a:lnRef>
-          <a:fillRef idx="0">
-            <a:schemeClr val="accent1"/>
-          </a:fillRef>
-          <a:effectRef idx="0">
-            <a:schemeClr val="accent1"/>
-          </a:effectRef>
-          <a:fontRef idx="minor">
-            <a:schemeClr val="tx1"/>
-          </a:fontRef>
-        </p:style>
-      </p:cxnSp>
-      <p:sp>
-        <p:nvSpPr>
-          <p:cNvPr id="6" name="Rectangle 5">
-            <a:extLst>
-              <a:ext uri="{FF2B5EF4-FFF2-40B4-BE49-F238E27FC236}">
-                <a16:creationId xmlns:a16="http://schemas.microsoft.com/office/drawing/2014/main" id="{8CF1D669-D150-4674-BE3A-33F7F5C37F2F}"/>
-              </a:ext>
-            </a:extLst>
-          </p:cNvPr>
-          <p:cNvSpPr/>
-          <p:nvPr/>
-        </p:nvSpPr>
-        <p:spPr>
-          <a:xfrm>
-            <a:off x="566794" y="3429000"/>
-            <a:ext cx="1312827" cy="1445280"/>
-          </a:xfrm>
-          <a:prstGeom prst="rect">
-            <a:avLst/>
-          </a:prstGeom>
-        </p:spPr>
-        <p:style>
-          <a:lnRef idx="2">
-            <a:schemeClr val="accent2">
-              <a:shade val="50000"/>
-            </a:schemeClr>
-          </a:lnRef>
-          <a:fillRef idx="1">
-            <a:schemeClr val="accent2"/>
-          </a:fillRef>
-          <a:effectRef idx="0">
-            <a:schemeClr val="accent2"/>
-          </a:effectRef>
-          <a:fontRef idx="minor">
-            <a:schemeClr val="lt1"/>
-          </a:fontRef>
-        </p:style>
-        <p:txBody>
-          <a:bodyPr rot="0" spcFirstLastPara="0" vert="horz" wrap="square" lIns="91440" tIns="45720" rIns="91440" bIns="45720" numCol="1" spcCol="0" rtlCol="0" fromWordArt="0" anchor="ctr" anchorCtr="0" forceAA="0" compatLnSpc="1">
-            <a:prstTxWarp prst="textNoShape">
-              <a:avLst/>
-            </a:prstTxWarp>
-            <a:noAutofit/>
-          </a:bodyPr>
-          <a:lstStyle>
-            <a:defPPr>
-              <a:defRPr lang="en-US"/>
-            </a:defPPr>
-            <a:lvl1pPr marL="0" algn="l" defTabSz="914400" rtl="0" eaLnBrk="1" latinLnBrk="0" hangingPunct="1">
-              <a:defRPr sz="1800" kern="1200">
-                <a:solidFill>
-                  <a:schemeClr val="lt1"/>
-                </a:solidFill>
-                <a:latin typeface="+mn-lt"/>
-                <a:ea typeface="+mn-ea"/>
-                <a:cs typeface="+mn-cs"/>
-              </a:defRPr>
-            </a:lvl1pPr>
-            <a:lvl2pPr marL="457200" algn="l" defTabSz="914400" rtl="0" eaLnBrk="1" latinLnBrk="0" hangingPunct="1">
-              <a:defRPr sz="1800" kern="1200">
-                <a:solidFill>
-                  <a:schemeClr val="lt1"/>
-                </a:solidFill>
-                <a:latin typeface="+mn-lt"/>
-                <a:ea typeface="+mn-ea"/>
-                <a:cs typeface="+mn-cs"/>
-              </a:defRPr>
-            </a:lvl2pPr>
-            <a:lvl3pPr marL="914400" algn="l" defTabSz="914400" rtl="0" eaLnBrk="1" latinLnBrk="0" hangingPunct="1">
-              <a:defRPr sz="1800" kern="1200">
-                <a:solidFill>
-                  <a:schemeClr val="lt1"/>
-                </a:solidFill>
-                <a:latin typeface="+mn-lt"/>
-                <a:ea typeface="+mn-ea"/>
-                <a:cs typeface="+mn-cs"/>
-              </a:defRPr>
-            </a:lvl3pPr>
-            <a:lvl4pPr marL="1371600" algn="l" defTabSz="914400" rtl="0" eaLnBrk="1" latinLnBrk="0" hangingPunct="1">
-              <a:defRPr sz="1800" kern="1200">
-                <a:solidFill>
-                  <a:schemeClr val="lt1"/>
-                </a:solidFill>
-                <a:latin typeface="+mn-lt"/>
-                <a:ea typeface="+mn-ea"/>
-                <a:cs typeface="+mn-cs"/>
-              </a:defRPr>
-            </a:lvl4pPr>
-            <a:lvl5pPr marL="1828800" algn="l" defTabSz="914400" rtl="0" eaLnBrk="1" latinLnBrk="0" hangingPunct="1">
-              <a:defRPr sz="1800" kern="1200">
-                <a:solidFill>
-                  <a:schemeClr val="lt1"/>
-                </a:solidFill>
-                <a:latin typeface="+mn-lt"/>
-                <a:ea typeface="+mn-ea"/>
-                <a:cs typeface="+mn-cs"/>
-              </a:defRPr>
-            </a:lvl5pPr>
-            <a:lvl6pPr marL="2286000" algn="l" defTabSz="914400" rtl="0" eaLnBrk="1" latinLnBrk="0" hangingPunct="1">
-              <a:defRPr sz="1800" kern="1200">
-                <a:solidFill>
-                  <a:schemeClr val="lt1"/>
-                </a:solidFill>
-                <a:latin typeface="+mn-lt"/>
-                <a:ea typeface="+mn-ea"/>
-                <a:cs typeface="+mn-cs"/>
-              </a:defRPr>
-            </a:lvl6pPr>
-            <a:lvl7pPr marL="2743200" algn="l" defTabSz="914400" rtl="0" eaLnBrk="1" latinLnBrk="0" hangingPunct="1">
-              <a:defRPr sz="1800" kern="1200">
-                <a:solidFill>
-                  <a:schemeClr val="lt1"/>
-                </a:solidFill>
-                <a:latin typeface="+mn-lt"/>
-                <a:ea typeface="+mn-ea"/>
-                <a:cs typeface="+mn-cs"/>
-              </a:defRPr>
-            </a:lvl7pPr>
-            <a:lvl8pPr marL="3200400" algn="l" defTabSz="914400" rtl="0" eaLnBrk="1" latinLnBrk="0" hangingPunct="1">
-              <a:defRPr sz="1800" kern="1200">
-                <a:solidFill>
-                  <a:schemeClr val="lt1"/>
-                </a:solidFill>
-                <a:latin typeface="+mn-lt"/>
-                <a:ea typeface="+mn-ea"/>
-                <a:cs typeface="+mn-cs"/>
-              </a:defRPr>
-            </a:lvl8pPr>
-            <a:lvl9pPr marL="3657600" algn="l" defTabSz="914400" rtl="0" eaLnBrk="1" latinLnBrk="0" hangingPunct="1">
-              <a:defRPr sz="1800" kern="1200">
-                <a:solidFill>
-                  <a:schemeClr val="lt1"/>
-                </a:solidFill>
-                <a:latin typeface="+mn-lt"/>
-                <a:ea typeface="+mn-ea"/>
-                <a:cs typeface="+mn-cs"/>
-              </a:defRPr>
-            </a:lvl9pPr>
-          </a:lstStyle>
-          <a:p>
-            <a:pPr algn="ctr"/>
-            <a:r>
-              <a:rPr lang="en-US"/>
-              <a:t>S2</a:t>
+              <a:rPr lang="en-IN" dirty="0"/>
+              <a:t>Stores information in format</a:t>
             </a:r>
           </a:p>
         </p:txBody>
@@ -7773,6 +7540,52 @@
           </p:style>
         </p:cxnSp>
       </p:grpSp>
+      <p:sp>
+        <p:nvSpPr>
+          <p:cNvPr id="3" name="Oval 2">
+            <a:extLst>
+              <a:ext uri="{FF2B5EF4-FFF2-40B4-BE49-F238E27FC236}">
+                <a16:creationId xmlns:a16="http://schemas.microsoft.com/office/drawing/2014/main" id="{9FF78D60-0ABC-4ECF-802D-61AB173484F2}"/>
+              </a:ext>
+            </a:extLst>
+          </p:cNvPr>
+          <p:cNvSpPr/>
+          <p:nvPr/>
+        </p:nvSpPr>
+        <p:spPr>
+          <a:xfrm>
+            <a:off x="5942012" y="2209800"/>
+            <a:ext cx="1600200" cy="1371599"/>
+          </a:xfrm>
+          <a:prstGeom prst="ellipse">
+            <a:avLst/>
+          </a:prstGeom>
+        </p:spPr>
+        <p:style>
+          <a:lnRef idx="2">
+            <a:schemeClr val="accent1">
+              <a:shade val="50000"/>
+            </a:schemeClr>
+          </a:lnRef>
+          <a:fillRef idx="1">
+            <a:schemeClr val="accent1"/>
+          </a:fillRef>
+          <a:effectRef idx="0">
+            <a:schemeClr val="accent1"/>
+          </a:effectRef>
+          <a:fontRef idx="minor">
+            <a:schemeClr val="lt1"/>
+          </a:fontRef>
+        </p:style>
+        <p:txBody>
+          <a:bodyPr rtlCol="0" anchor="ctr"/>
+          <a:lstStyle/>
+          <a:p>
+            <a:pPr algn="ctr"/>
+            <a:endParaRPr lang="en-IN"/>
+          </a:p>
+        </p:txBody>
+      </p:sp>
     </p:spTree>
     <p:extLst>
       <p:ext uri="{BB962C8B-B14F-4D97-AF65-F5344CB8AC3E}">
@@ -8282,6 +8095,52 @@
           </a:fontRef>
         </p:style>
       </p:cxnSp>
+      <p:sp>
+        <p:nvSpPr>
+          <p:cNvPr id="3" name="Oval 2">
+            <a:extLst>
+              <a:ext uri="{FF2B5EF4-FFF2-40B4-BE49-F238E27FC236}">
+                <a16:creationId xmlns:a16="http://schemas.microsoft.com/office/drawing/2014/main" id="{B9CCA19E-BC68-47C2-B123-874654B2593F}"/>
+              </a:ext>
+            </a:extLst>
+          </p:cNvPr>
+          <p:cNvSpPr/>
+          <p:nvPr/>
+        </p:nvSpPr>
+        <p:spPr>
+          <a:xfrm>
+            <a:off x="5408612" y="2362200"/>
+            <a:ext cx="901447" cy="1524000"/>
+          </a:xfrm>
+          <a:prstGeom prst="ellipse">
+            <a:avLst/>
+          </a:prstGeom>
+        </p:spPr>
+        <p:style>
+          <a:lnRef idx="2">
+            <a:schemeClr val="accent1">
+              <a:shade val="50000"/>
+            </a:schemeClr>
+          </a:lnRef>
+          <a:fillRef idx="1">
+            <a:schemeClr val="accent1"/>
+          </a:fillRef>
+          <a:effectRef idx="0">
+            <a:schemeClr val="accent1"/>
+          </a:effectRef>
+          <a:fontRef idx="minor">
+            <a:schemeClr val="lt1"/>
+          </a:fontRef>
+        </p:style>
+        <p:txBody>
+          <a:bodyPr rtlCol="0" anchor="ctr"/>
+          <a:lstStyle/>
+          <a:p>
+            <a:pPr algn="ctr"/>
+            <a:endParaRPr lang="en-IN"/>
+          </a:p>
+        </p:txBody>
+      </p:sp>
     </p:spTree>
     <p:extLst>
       <p:ext uri="{BB962C8B-B14F-4D97-AF65-F5344CB8AC3E}">
@@ -8583,6 +8442,52 @@
               <a:rPr lang="en-US"/>
               <a:t>Displayed as GUI</a:t>
             </a:r>
+          </a:p>
+        </p:txBody>
+      </p:sp>
+      <p:sp>
+        <p:nvSpPr>
+          <p:cNvPr id="3" name="Oval 2">
+            <a:extLst>
+              <a:ext uri="{FF2B5EF4-FFF2-40B4-BE49-F238E27FC236}">
+                <a16:creationId xmlns:a16="http://schemas.microsoft.com/office/drawing/2014/main" id="{BB662700-1179-474D-8CC4-399403F4D85A}"/>
+              </a:ext>
+            </a:extLst>
+          </p:cNvPr>
+          <p:cNvSpPr/>
+          <p:nvPr/>
+        </p:nvSpPr>
+        <p:spPr>
+          <a:xfrm>
+            <a:off x="3960812" y="2209800"/>
+            <a:ext cx="1054219" cy="2152964"/>
+          </a:xfrm>
+          <a:prstGeom prst="ellipse">
+            <a:avLst/>
+          </a:prstGeom>
+        </p:spPr>
+        <p:style>
+          <a:lnRef idx="2">
+            <a:schemeClr val="accent1">
+              <a:shade val="50000"/>
+            </a:schemeClr>
+          </a:lnRef>
+          <a:fillRef idx="1">
+            <a:schemeClr val="accent1"/>
+          </a:fillRef>
+          <a:effectRef idx="0">
+            <a:schemeClr val="accent1"/>
+          </a:effectRef>
+          <a:fontRef idx="minor">
+            <a:schemeClr val="lt1"/>
+          </a:fontRef>
+        </p:style>
+        <p:txBody>
+          <a:bodyPr rtlCol="0" anchor="ctr"/>
+          <a:lstStyle/>
+          <a:p>
+            <a:pPr algn="ctr"/>
+            <a:endParaRPr lang="en-IN"/>
           </a:p>
         </p:txBody>
       </p:sp>
@@ -9190,6 +9095,52 @@
           </a:fontRef>
         </p:style>
       </p:cxnSp>
+      <p:sp>
+        <p:nvSpPr>
+          <p:cNvPr id="3" name="Oval 2">
+            <a:extLst>
+              <a:ext uri="{FF2B5EF4-FFF2-40B4-BE49-F238E27FC236}">
+                <a16:creationId xmlns:a16="http://schemas.microsoft.com/office/drawing/2014/main" id="{919D946B-8A7D-4FF3-AE6E-A57E84E64416}"/>
+              </a:ext>
+            </a:extLst>
+          </p:cNvPr>
+          <p:cNvSpPr/>
+          <p:nvPr/>
+        </p:nvSpPr>
+        <p:spPr>
+          <a:xfrm>
+            <a:off x="4659377" y="1804869"/>
+            <a:ext cx="1600200" cy="1105214"/>
+          </a:xfrm>
+          <a:prstGeom prst="ellipse">
+            <a:avLst/>
+          </a:prstGeom>
+        </p:spPr>
+        <p:style>
+          <a:lnRef idx="2">
+            <a:schemeClr val="accent1">
+              <a:shade val="50000"/>
+            </a:schemeClr>
+          </a:lnRef>
+          <a:fillRef idx="1">
+            <a:schemeClr val="accent1"/>
+          </a:fillRef>
+          <a:effectRef idx="0">
+            <a:schemeClr val="accent1"/>
+          </a:effectRef>
+          <a:fontRef idx="minor">
+            <a:schemeClr val="lt1"/>
+          </a:fontRef>
+        </p:style>
+        <p:txBody>
+          <a:bodyPr rtlCol="0" anchor="ctr"/>
+          <a:lstStyle/>
+          <a:p>
+            <a:pPr algn="ctr"/>
+            <a:endParaRPr lang="en-IN"/>
+          </a:p>
+        </p:txBody>
+      </p:sp>
     </p:spTree>
     <p:extLst>
       <p:ext uri="{BB962C8B-B14F-4D97-AF65-F5344CB8AC3E}">

--- a/SubRoutine Diagrams/Notice Board.pptx
+++ b/SubRoutine Diagrams/Notice Board.pptx
@@ -6738,7 +6738,7 @@
         </p:nvSpPr>
         <p:spPr>
           <a:xfrm>
-            <a:off x="2132012" y="3654230"/>
+            <a:off x="2147289" y="3581400"/>
             <a:ext cx="2030609" cy="731406"/>
           </a:xfrm>
           <a:prstGeom prst="rect">
@@ -6787,8 +6787,8 @@
         </p:nvSpPr>
         <p:spPr>
           <a:xfrm>
-            <a:off x="5621935" y="3654230"/>
-            <a:ext cx="2030609" cy="731406"/>
+            <a:off x="5227211" y="3505206"/>
+            <a:ext cx="2030609" cy="807600"/>
           </a:xfrm>
           <a:prstGeom prst="rect">
             <a:avLst/>
@@ -6847,8 +6847,8 @@
         </p:nvCxnSpPr>
         <p:spPr>
           <a:xfrm>
-            <a:off x="985196" y="3940465"/>
-            <a:ext cx="1146816" cy="79468"/>
+            <a:off x="1097976" y="3947103"/>
+            <a:ext cx="1049313" cy="0"/>
           </a:xfrm>
           <a:prstGeom prst="straightConnector1">
             <a:avLst/>
@@ -6884,14 +6884,13 @@
           <p:cNvCxnSpPr>
             <a:cxnSpLocks/>
             <a:stCxn id="4" idx="3"/>
-            <a:endCxn id="10" idx="1"/>
           </p:cNvCxnSpPr>
           <p:nvPr/>
         </p:nvCxnSpPr>
         <p:spPr>
           <a:xfrm>
-            <a:off x="4162621" y="4019933"/>
-            <a:ext cx="1459314" cy="0"/>
+            <a:off x="4177898" y="3947103"/>
+            <a:ext cx="1078314" cy="0"/>
           </a:xfrm>
           <a:prstGeom prst="straightConnector1">
             <a:avLst/>
@@ -6929,7 +6928,7 @@
         </p:nvSpPr>
         <p:spPr>
           <a:xfrm>
-            <a:off x="10685754" y="2057400"/>
+            <a:off x="10707212" y="2164887"/>
             <a:ext cx="1335316" cy="3488237"/>
           </a:xfrm>
           <a:prstGeom prst="can">
@@ -6980,13 +6979,14 @@
           <p:cNvCxnSpPr>
             <a:cxnSpLocks/>
             <a:stCxn id="10" idx="3"/>
+            <a:endCxn id="11" idx="2"/>
           </p:cNvCxnSpPr>
           <p:nvPr/>
         </p:nvCxnSpPr>
         <p:spPr>
-          <a:xfrm>
-            <a:off x="7652544" y="4019933"/>
-            <a:ext cx="361094" cy="46710"/>
+          <a:xfrm flipV="1">
+            <a:off x="7257820" y="3906771"/>
+            <a:ext cx="1049314" cy="2235"/>
           </a:xfrm>
           <a:prstGeom prst="straightConnector1">
             <a:avLst/>
@@ -7024,7 +7024,7 @@
         </p:nvSpPr>
         <p:spPr>
           <a:xfrm>
-            <a:off x="18387" y="3079658"/>
+            <a:off x="131167" y="3086296"/>
             <a:ext cx="966809" cy="1721613"/>
           </a:xfrm>
           <a:prstGeom prst="rect">
@@ -7172,8 +7172,8 @@
         </p:nvSpPr>
         <p:spPr>
           <a:xfrm>
-            <a:off x="8473774" y="3254558"/>
-            <a:ext cx="1459021" cy="1397445"/>
+            <a:off x="8307134" y="3200400"/>
+            <a:ext cx="1627482" cy="1412741"/>
           </a:xfrm>
           <a:prstGeom prst="ellipse">
             <a:avLst/>
@@ -7207,6 +7207,49 @@
           </a:p>
         </p:txBody>
       </p:sp>
+      <p:cxnSp>
+        <p:nvCxnSpPr>
+          <p:cNvPr id="16" name="Straight Arrow Connector 15">
+            <a:extLst>
+              <a:ext uri="{FF2B5EF4-FFF2-40B4-BE49-F238E27FC236}">
+                <a16:creationId xmlns:a16="http://schemas.microsoft.com/office/drawing/2014/main" id="{B24062DD-1F0C-4D46-97FC-672D9E980AB8}"/>
+              </a:ext>
+            </a:extLst>
+          </p:cNvPr>
+          <p:cNvCxnSpPr>
+            <a:cxnSpLocks/>
+            <a:stCxn id="11" idx="6"/>
+            <a:endCxn id="3" idx="2"/>
+          </p:cNvCxnSpPr>
+          <p:nvPr/>
+        </p:nvCxnSpPr>
+        <p:spPr>
+          <a:xfrm>
+            <a:off x="9934616" y="3906771"/>
+            <a:ext cx="772596" cy="2235"/>
+          </a:xfrm>
+          <a:prstGeom prst="straightConnector1">
+            <a:avLst/>
+          </a:prstGeom>
+          <a:ln>
+            <a:tailEnd type="triangle"/>
+          </a:ln>
+        </p:spPr>
+        <p:style>
+          <a:lnRef idx="1">
+            <a:schemeClr val="accent1"/>
+          </a:lnRef>
+          <a:fillRef idx="0">
+            <a:schemeClr val="accent1"/>
+          </a:fillRef>
+          <a:effectRef idx="0">
+            <a:schemeClr val="accent1"/>
+          </a:effectRef>
+          <a:fontRef idx="minor">
+            <a:schemeClr val="tx1"/>
+          </a:fontRef>
+        </p:style>
+      </p:cxnSp>
     </p:spTree>
     <p:extLst>
       <p:ext uri="{BB962C8B-B14F-4D97-AF65-F5344CB8AC3E}">
@@ -7265,12 +7308,8 @@
           <a:lstStyle/>
           <a:p>
             <a:r>
-              <a:rPr lang="en-US"/>
-              <a:t>S4:Pending Approval </a:t>
-            </a:r>
-            <a:r>
               <a:rPr lang="en-US" dirty="0"/>
-              <a:t>Timesheets</a:t>
+              <a:t>S4:Pending/Approval Timesheets</a:t>
             </a:r>
           </a:p>
         </p:txBody>
@@ -7289,10 +7328,10 @@
         </p:nvGrpSpPr>
         <p:grpSpPr>
           <a:xfrm>
-            <a:off x="1483005" y="2395575"/>
-            <a:ext cx="9139733" cy="3504569"/>
-            <a:chOff x="576632" y="2253881"/>
-            <a:chExt cx="9139733" cy="3504569"/>
+            <a:off x="1483005" y="3330757"/>
+            <a:ext cx="6977181" cy="1634207"/>
+            <a:chOff x="576632" y="3189063"/>
+            <a:chExt cx="6977181" cy="1634207"/>
           </a:xfrm>
         </p:grpSpPr>
         <p:sp>
@@ -7346,59 +7385,6 @@
         </p:sp>
         <p:sp>
           <p:nvSpPr>
-            <p:cNvPr id="14" name="Cylinder 13">
-              <a:extLst>
-                <a:ext uri="{FF2B5EF4-FFF2-40B4-BE49-F238E27FC236}">
-                  <a16:creationId xmlns:a16="http://schemas.microsoft.com/office/drawing/2014/main" id="{D02ACBE4-45C2-4B59-BB72-2605C660E52E}"/>
-                </a:ext>
-              </a:extLst>
-            </p:cNvPr>
-            <p:cNvSpPr/>
-            <p:nvPr/>
-          </p:nvSpPr>
-          <p:spPr>
-            <a:xfrm>
-              <a:off x="7553813" y="2253881"/>
-              <a:ext cx="2162552" cy="3504569"/>
-            </a:xfrm>
-            <a:prstGeom prst="can">
-              <a:avLst/>
-            </a:prstGeom>
-          </p:spPr>
-          <p:style>
-            <a:lnRef idx="2">
-              <a:schemeClr val="accent6">
-                <a:shade val="50000"/>
-              </a:schemeClr>
-            </a:lnRef>
-            <a:fillRef idx="1">
-              <a:schemeClr val="accent6"/>
-            </a:fillRef>
-            <a:effectRef idx="0">
-              <a:schemeClr val="accent6"/>
-            </a:effectRef>
-            <a:fontRef idx="minor">
-              <a:schemeClr val="lt1"/>
-            </a:fontRef>
-          </p:style>
-          <p:txBody>
-            <a:bodyPr rtlCol="0" anchor="ctr"/>
-            <a:lstStyle/>
-            <a:p>
-              <a:pPr algn="ctr"/>
-              <a:r>
-                <a:rPr lang="en-US" dirty="0" err="1"/>
-                <a:t>TimeSheet</a:t>
-              </a:r>
-              <a:r>
-                <a:rPr lang="en-US" dirty="0"/>
-                <a:t>-DB</a:t>
-              </a:r>
-            </a:p>
-          </p:txBody>
-        </p:sp>
-        <p:sp>
-          <p:nvSpPr>
             <p:cNvPr id="20" name="Rectangle 19">
               <a:extLst>
                 <a:ext uri="{FF2B5EF4-FFF2-40B4-BE49-F238E27FC236}">
@@ -7441,15 +7427,13 @@
               <a:pPr algn="ctr"/>
               <a:r>
                 <a:rPr lang="en-US" dirty="0"/>
-                <a:t>Responding options –GUI</a:t>
+                <a:t>Hyperlink to </a:t>
               </a:r>
-            </a:p>
-            <a:p>
-              <a:pPr algn="ctr"/>
               <a:r>
-                <a:rPr lang="en-US" dirty="0"/>
-                <a:t>(approve/deny)</a:t>
+                <a:rPr lang="en-US" dirty="0" err="1"/>
+                <a:t>TimeSheet</a:t>
               </a:r>
+              <a:endParaRPr lang="en-US" dirty="0"/>
             </a:p>
           </p:txBody>
         </p:sp>
@@ -7508,7 +7492,6 @@
             <p:cNvCxnSpPr>
               <a:cxnSpLocks/>
               <a:stCxn id="20" idx="3"/>
-              <a:endCxn id="14" idx="2"/>
             </p:cNvCxnSpPr>
             <p:nvPr/>
           </p:nvCxnSpPr>
@@ -7542,10 +7525,10 @@
       </p:grpSp>
       <p:sp>
         <p:nvSpPr>
-          <p:cNvPr id="3" name="Oval 2">
+          <p:cNvPr id="10" name="Rectangle 9">
             <a:extLst>
               <a:ext uri="{FF2B5EF4-FFF2-40B4-BE49-F238E27FC236}">
-                <a16:creationId xmlns:a16="http://schemas.microsoft.com/office/drawing/2014/main" id="{9FF78D60-0ABC-4ECF-802D-61AB173484F2}"/>
+                <a16:creationId xmlns:a16="http://schemas.microsoft.com/office/drawing/2014/main" id="{F16672B1-ACE4-44ED-A9B5-4ACD7066E8F6}"/>
               </a:ext>
             </a:extLst>
           </p:cNvPr>
@@ -7554,24 +7537,24 @@
         </p:nvSpPr>
         <p:spPr>
           <a:xfrm>
-            <a:off x="5942012" y="2209800"/>
-            <a:ext cx="1600200" cy="1371599"/>
+            <a:off x="8460186" y="3330757"/>
+            <a:ext cx="1501654" cy="1634207"/>
           </a:xfrm>
-          <a:prstGeom prst="ellipse">
+          <a:prstGeom prst="rect">
             <a:avLst/>
           </a:prstGeom>
         </p:spPr>
         <p:style>
           <a:lnRef idx="2">
-            <a:schemeClr val="accent1">
+            <a:schemeClr val="accent2">
               <a:shade val="50000"/>
             </a:schemeClr>
           </a:lnRef>
           <a:fillRef idx="1">
-            <a:schemeClr val="accent1"/>
+            <a:schemeClr val="accent2"/>
           </a:fillRef>
           <a:effectRef idx="0">
-            <a:schemeClr val="accent1"/>
+            <a:schemeClr val="accent2"/>
           </a:effectRef>
           <a:fontRef idx="minor">
             <a:schemeClr val="lt1"/>
@@ -7582,7 +7565,18 @@
           <a:lstStyle/>
           <a:p>
             <a:pPr algn="ctr"/>
-            <a:endParaRPr lang="en-IN"/>
+            <a:r>
+              <a:rPr lang="en-US" sz="1600" dirty="0"/>
+              <a:t>S7: </a:t>
+            </a:r>
+            <a:r>
+              <a:rPr lang="en-US" sz="1600" dirty="0" err="1"/>
+              <a:t>TimeSheet</a:t>
+            </a:r>
+            <a:r>
+              <a:rPr lang="en-US" sz="1600" dirty="0"/>
+              <a:t> Viewer</a:t>
+            </a:r>
           </a:p>
         </p:txBody>
       </p:sp>
@@ -7664,7 +7658,7 @@
         </p:nvSpPr>
         <p:spPr>
           <a:xfrm>
-            <a:off x="6902755" y="3576360"/>
+            <a:off x="7466012" y="3499063"/>
             <a:ext cx="2880095" cy="840718"/>
           </a:xfrm>
           <a:prstGeom prst="rect">
@@ -7710,15 +7704,13 @@
           </p:cNvPr>
           <p:cNvCxnSpPr>
             <a:cxnSpLocks/>
-            <a:stCxn id="12" idx="3"/>
-            <a:endCxn id="24" idx="1"/>
           </p:cNvCxnSpPr>
           <p:nvPr/>
         </p:nvCxnSpPr>
         <p:spPr>
-          <a:xfrm flipV="1">
-            <a:off x="3645556" y="3996719"/>
-            <a:ext cx="3257199" cy="2"/>
+          <a:xfrm>
+            <a:off x="2395751" y="3884939"/>
+            <a:ext cx="1981200" cy="0"/>
           </a:xfrm>
           <a:prstGeom prst="straightConnector1">
             <a:avLst/>
@@ -7756,7 +7748,7 @@
         </p:nvSpPr>
         <p:spPr>
           <a:xfrm>
-            <a:off x="2332729" y="3274081"/>
+            <a:off x="1082924" y="3162299"/>
             <a:ext cx="1312827" cy="1445280"/>
           </a:xfrm>
           <a:prstGeom prst="rect">
@@ -7884,12 +7876,111 @@
           <a:p>
             <a:pPr algn="ctr"/>
             <a:r>
-              <a:rPr lang="en-US"/>
-              <a:t>S2</a:t>
-            </a:r>
-          </a:p>
-        </p:txBody>
-      </p:sp>
+              <a:rPr lang="en-US" dirty="0" err="1"/>
+              <a:t>TimeTrack</a:t>
+            </a:r>
+            <a:endParaRPr lang="en-US" dirty="0"/>
+          </a:p>
+          <a:p>
+            <a:pPr algn="ctr"/>
+            <a:r>
+              <a:rPr lang="en-US" dirty="0"/>
+              <a:t>REQ-8</a:t>
+            </a:r>
+          </a:p>
+        </p:txBody>
+      </p:sp>
+      <p:sp>
+        <p:nvSpPr>
+          <p:cNvPr id="2" name="Oval 1">
+            <a:extLst>
+              <a:ext uri="{FF2B5EF4-FFF2-40B4-BE49-F238E27FC236}">
+                <a16:creationId xmlns:a16="http://schemas.microsoft.com/office/drawing/2014/main" id="{34204876-2A48-4D63-8DBF-11995340E2DE}"/>
+              </a:ext>
+            </a:extLst>
+          </p:cNvPr>
+          <p:cNvSpPr/>
+          <p:nvPr/>
+        </p:nvSpPr>
+        <p:spPr>
+          <a:xfrm>
+            <a:off x="4376951" y="3233622"/>
+            <a:ext cx="1447800" cy="1371600"/>
+          </a:xfrm>
+          <a:prstGeom prst="ellipse">
+            <a:avLst/>
+          </a:prstGeom>
+        </p:spPr>
+        <p:style>
+          <a:lnRef idx="2">
+            <a:schemeClr val="accent1">
+              <a:shade val="50000"/>
+            </a:schemeClr>
+          </a:lnRef>
+          <a:fillRef idx="1">
+            <a:schemeClr val="accent1"/>
+          </a:fillRef>
+          <a:effectRef idx="0">
+            <a:schemeClr val="accent1"/>
+          </a:effectRef>
+          <a:fontRef idx="minor">
+            <a:schemeClr val="lt1"/>
+          </a:fontRef>
+        </p:style>
+        <p:txBody>
+          <a:bodyPr rtlCol="0" anchor="ctr"/>
+          <a:lstStyle/>
+          <a:p>
+            <a:pPr algn="ctr"/>
+            <a:r>
+              <a:rPr lang="en-IN" dirty="0"/>
+              <a:t>Collects All Peers Activity Data</a:t>
+            </a:r>
+          </a:p>
+        </p:txBody>
+      </p:sp>
+      <p:cxnSp>
+        <p:nvCxnSpPr>
+          <p:cNvPr id="5" name="Straight Arrow Connector 4">
+            <a:extLst>
+              <a:ext uri="{FF2B5EF4-FFF2-40B4-BE49-F238E27FC236}">
+                <a16:creationId xmlns:a16="http://schemas.microsoft.com/office/drawing/2014/main" id="{9437D5BB-6E96-4BAF-B316-CF1FC83F8674}"/>
+              </a:ext>
+            </a:extLst>
+          </p:cNvPr>
+          <p:cNvCxnSpPr>
+            <a:stCxn id="2" idx="6"/>
+            <a:endCxn id="24" idx="1"/>
+          </p:cNvCxnSpPr>
+          <p:nvPr/>
+        </p:nvCxnSpPr>
+        <p:spPr>
+          <a:xfrm>
+            <a:off x="5824751" y="3919422"/>
+            <a:ext cx="1641261" cy="0"/>
+          </a:xfrm>
+          <a:prstGeom prst="straightConnector1">
+            <a:avLst/>
+          </a:prstGeom>
+          <a:ln>
+            <a:tailEnd type="triangle"/>
+          </a:ln>
+        </p:spPr>
+        <p:style>
+          <a:lnRef idx="1">
+            <a:schemeClr val="accent1"/>
+          </a:lnRef>
+          <a:fillRef idx="0">
+            <a:schemeClr val="accent1"/>
+          </a:fillRef>
+          <a:effectRef idx="0">
+            <a:schemeClr val="accent1"/>
+          </a:effectRef>
+          <a:fontRef idx="minor">
+            <a:schemeClr val="tx1"/>
+          </a:fontRef>
+        </p:style>
+      </p:cxnSp>
     </p:spTree>
     <p:extLst>
       <p:ext uri="{BB962C8B-B14F-4D97-AF65-F5344CB8AC3E}">
@@ -7968,7 +8059,7 @@
         </p:nvSpPr>
         <p:spPr>
           <a:xfrm>
-            <a:off x="2485045" y="3445295"/>
+            <a:off x="1217612" y="3446475"/>
             <a:ext cx="1265620" cy="1379156"/>
           </a:xfrm>
           <a:prstGeom prst="rect">
@@ -7997,7 +8088,7 @@
           <a:p>
             <a:pPr algn="ctr"/>
             <a:r>
-              <a:rPr lang="en-US"/>
+              <a:rPr lang="en-US" dirty="0"/>
               <a:t>S8-TimeSheetViewer</a:t>
             </a:r>
           </a:p>
@@ -8017,7 +8108,7 @@
         </p:nvSpPr>
         <p:spPr>
           <a:xfrm>
-            <a:off x="6310059" y="3767648"/>
+            <a:off x="7033682" y="3767648"/>
             <a:ext cx="3937531" cy="736810"/>
           </a:xfrm>
           <a:prstGeom prst="rect">
@@ -8046,7 +8137,7 @@
           <a:p>
             <a:pPr algn="ctr"/>
             <a:r>
-              <a:rPr lang="en-US"/>
+              <a:rPr lang="en-US" dirty="0"/>
               <a:t>Displayed as GUI</a:t>
             </a:r>
           </a:p>
@@ -8064,14 +8155,14 @@
           <p:cNvCxnSpPr>
             <a:cxnSpLocks/>
             <a:stCxn id="9" idx="3"/>
-            <a:endCxn id="10" idx="1"/>
+            <a:endCxn id="3" idx="2"/>
           </p:cNvCxnSpPr>
           <p:nvPr/>
         </p:nvCxnSpPr>
         <p:spPr>
           <a:xfrm>
-            <a:off x="3750665" y="4134873"/>
-            <a:ext cx="2559394" cy="1180"/>
+            <a:off x="2483232" y="4136053"/>
+            <a:ext cx="1706180" cy="0"/>
           </a:xfrm>
           <a:prstGeom prst="straightConnector1">
             <a:avLst/>
@@ -8109,8 +8200,8 @@
         </p:nvSpPr>
         <p:spPr>
           <a:xfrm>
-            <a:off x="5408612" y="2362200"/>
-            <a:ext cx="901447" cy="1524000"/>
+            <a:off x="4189412" y="3368757"/>
+            <a:ext cx="1528313" cy="1534592"/>
           </a:xfrm>
           <a:prstGeom prst="ellipse">
             <a:avLst/>
@@ -8137,10 +8228,56 @@
           <a:lstStyle/>
           <a:p>
             <a:pPr algn="ctr"/>
-            <a:endParaRPr lang="en-IN"/>
-          </a:p>
-        </p:txBody>
-      </p:sp>
+            <a:r>
+              <a:rPr lang="en-IN" dirty="0"/>
+              <a:t>Collects Deadline from HLU</a:t>
+            </a:r>
+          </a:p>
+        </p:txBody>
+      </p:sp>
+      <p:cxnSp>
+        <p:nvCxnSpPr>
+          <p:cNvPr id="7" name="Straight Arrow Connector 6">
+            <a:extLst>
+              <a:ext uri="{FF2B5EF4-FFF2-40B4-BE49-F238E27FC236}">
+                <a16:creationId xmlns:a16="http://schemas.microsoft.com/office/drawing/2014/main" id="{B978E8FA-79AC-4C7A-91C9-0B029DC8A4F3}"/>
+              </a:ext>
+            </a:extLst>
+          </p:cNvPr>
+          <p:cNvCxnSpPr>
+            <a:cxnSpLocks/>
+            <a:stCxn id="3" idx="6"/>
+            <a:endCxn id="10" idx="1"/>
+          </p:cNvCxnSpPr>
+          <p:nvPr/>
+        </p:nvCxnSpPr>
+        <p:spPr>
+          <a:xfrm>
+            <a:off x="5717725" y="4136053"/>
+            <a:ext cx="1315957" cy="0"/>
+          </a:xfrm>
+          <a:prstGeom prst="straightConnector1">
+            <a:avLst/>
+          </a:prstGeom>
+          <a:ln>
+            <a:tailEnd type="triangle"/>
+          </a:ln>
+        </p:spPr>
+        <p:style>
+          <a:lnRef idx="1">
+            <a:schemeClr val="accent1"/>
+          </a:lnRef>
+          <a:fillRef idx="0">
+            <a:schemeClr val="accent1"/>
+          </a:fillRef>
+          <a:effectRef idx="0">
+            <a:schemeClr val="accent1"/>
+          </a:effectRef>
+          <a:fontRef idx="minor">
+            <a:schemeClr val="tx1"/>
+          </a:fontRef>
+        </p:style>
+      </p:cxnSp>
     </p:spTree>
     <p:extLst>
       <p:ext uri="{BB962C8B-B14F-4D97-AF65-F5344CB8AC3E}">
@@ -8219,7 +8356,7 @@
         </p:nvSpPr>
         <p:spPr>
           <a:xfrm>
-            <a:off x="2389377" y="3274081"/>
+            <a:off x="760412" y="3271719"/>
             <a:ext cx="1312827" cy="1445280"/>
           </a:xfrm>
           <a:prstGeom prst="rect">
@@ -8347,7 +8484,7 @@
           <a:p>
             <a:pPr algn="ctr"/>
             <a:r>
-              <a:rPr lang="en-US"/>
+              <a:rPr lang="en-US" dirty="0"/>
               <a:t>S2</a:t>
             </a:r>
           </a:p>
@@ -8364,15 +8501,14 @@
           </p:cNvPr>
           <p:cNvCxnSpPr>
             <a:cxnSpLocks/>
-            <a:stCxn id="4" idx="3"/>
-            <a:endCxn id="8" idx="1"/>
+            <a:endCxn id="3" idx="2"/>
           </p:cNvCxnSpPr>
           <p:nvPr/>
         </p:nvCxnSpPr>
         <p:spPr>
-          <a:xfrm flipV="1">
-            <a:off x="3702204" y="3994359"/>
-            <a:ext cx="2909979" cy="2362"/>
+          <a:xfrm>
+            <a:off x="2073239" y="3994358"/>
+            <a:ext cx="1430373" cy="1"/>
           </a:xfrm>
           <a:prstGeom prst="straightConnector1">
             <a:avLst/>
@@ -8410,7 +8546,7 @@
         </p:nvSpPr>
         <p:spPr>
           <a:xfrm>
-            <a:off x="6612183" y="3625954"/>
+            <a:off x="7847012" y="3625954"/>
             <a:ext cx="3937531" cy="736810"/>
           </a:xfrm>
           <a:prstGeom prst="rect">
@@ -8459,8 +8595,8 @@
         </p:nvSpPr>
         <p:spPr>
           <a:xfrm>
-            <a:off x="3960812" y="2209800"/>
-            <a:ext cx="1054219" cy="2152964"/>
+            <a:off x="3503612" y="2775170"/>
+            <a:ext cx="2707112" cy="2438377"/>
           </a:xfrm>
           <a:prstGeom prst="ellipse">
             <a:avLst/>
@@ -8487,10 +8623,55 @@
           <a:lstStyle/>
           <a:p>
             <a:pPr algn="ctr"/>
-            <a:endParaRPr lang="en-IN"/>
-          </a:p>
-        </p:txBody>
-      </p:sp>
+            <a:r>
+              <a:rPr lang="en-IN" dirty="0"/>
+              <a:t>Collects new HLU announcements in a specified Time Interval</a:t>
+            </a:r>
+          </a:p>
+        </p:txBody>
+      </p:sp>
+      <p:cxnSp>
+        <p:nvCxnSpPr>
+          <p:cNvPr id="18" name="Straight Arrow Connector 17">
+            <a:extLst>
+              <a:ext uri="{FF2B5EF4-FFF2-40B4-BE49-F238E27FC236}">
+                <a16:creationId xmlns:a16="http://schemas.microsoft.com/office/drawing/2014/main" id="{B905F17C-AF55-4F1C-8933-BB92A0490BD4}"/>
+              </a:ext>
+            </a:extLst>
+          </p:cNvPr>
+          <p:cNvCxnSpPr>
+            <a:stCxn id="3" idx="6"/>
+            <a:endCxn id="8" idx="1"/>
+          </p:cNvCxnSpPr>
+          <p:nvPr/>
+        </p:nvCxnSpPr>
+        <p:spPr>
+          <a:xfrm>
+            <a:off x="6210724" y="3994359"/>
+            <a:ext cx="1636288" cy="0"/>
+          </a:xfrm>
+          <a:prstGeom prst="straightConnector1">
+            <a:avLst/>
+          </a:prstGeom>
+          <a:ln>
+            <a:tailEnd type="triangle"/>
+          </a:ln>
+        </p:spPr>
+        <p:style>
+          <a:lnRef idx="1">
+            <a:schemeClr val="accent1"/>
+          </a:lnRef>
+          <a:fillRef idx="0">
+            <a:schemeClr val="accent1"/>
+          </a:fillRef>
+          <a:effectRef idx="0">
+            <a:schemeClr val="accent1"/>
+          </a:effectRef>
+          <a:fontRef idx="minor">
+            <a:schemeClr val="tx1"/>
+          </a:fontRef>
+        </p:style>
+      </p:cxnSp>
     </p:spTree>
     <p:extLst>
       <p:ext uri="{BB962C8B-B14F-4D97-AF65-F5344CB8AC3E}">
@@ -8563,302 +8744,6 @@
       </p:sp>
       <p:sp>
         <p:nvSpPr>
-          <p:cNvPr id="4" name="Rectangle 3">
-            <a:extLst>
-              <a:ext uri="{FF2B5EF4-FFF2-40B4-BE49-F238E27FC236}">
-                <a16:creationId xmlns:a16="http://schemas.microsoft.com/office/drawing/2014/main" id="{F736EC4A-4F65-4966-ACF4-D5E4CE165435}"/>
-              </a:ext>
-            </a:extLst>
-          </p:cNvPr>
-          <p:cNvSpPr/>
-          <p:nvPr/>
-        </p:nvSpPr>
-        <p:spPr>
-          <a:xfrm>
-            <a:off x="2002280" y="1857139"/>
-            <a:ext cx="1312827" cy="1445280"/>
-          </a:xfrm>
-          <a:prstGeom prst="rect">
-            <a:avLst/>
-          </a:prstGeom>
-        </p:spPr>
-        <p:style>
-          <a:lnRef idx="2">
-            <a:schemeClr val="accent2">
-              <a:shade val="50000"/>
-            </a:schemeClr>
-          </a:lnRef>
-          <a:fillRef idx="1">
-            <a:schemeClr val="accent2"/>
-          </a:fillRef>
-          <a:effectRef idx="0">
-            <a:schemeClr val="accent2"/>
-          </a:effectRef>
-          <a:fontRef idx="minor">
-            <a:schemeClr val="lt1"/>
-          </a:fontRef>
-        </p:style>
-        <p:txBody>
-          <a:bodyPr rot="0" spcFirstLastPara="0" vert="horz" wrap="square" lIns="91440" tIns="45720" rIns="91440" bIns="45720" numCol="1" spcCol="0" rtlCol="0" fromWordArt="0" anchor="ctr" anchorCtr="0" forceAA="0" compatLnSpc="1">
-            <a:prstTxWarp prst="textNoShape">
-              <a:avLst/>
-            </a:prstTxWarp>
-            <a:noAutofit/>
-          </a:bodyPr>
-          <a:lstStyle>
-            <a:defPPr>
-              <a:defRPr lang="en-US"/>
-            </a:defPPr>
-            <a:lvl1pPr marL="0" algn="l" defTabSz="914400" rtl="0" eaLnBrk="1" latinLnBrk="0" hangingPunct="1">
-              <a:defRPr sz="1800" kern="1200">
-                <a:solidFill>
-                  <a:schemeClr val="lt1"/>
-                </a:solidFill>
-                <a:latin typeface="+mn-lt"/>
-                <a:ea typeface="+mn-ea"/>
-                <a:cs typeface="+mn-cs"/>
-              </a:defRPr>
-            </a:lvl1pPr>
-            <a:lvl2pPr marL="457200" algn="l" defTabSz="914400" rtl="0" eaLnBrk="1" latinLnBrk="0" hangingPunct="1">
-              <a:defRPr sz="1800" kern="1200">
-                <a:solidFill>
-                  <a:schemeClr val="lt1"/>
-                </a:solidFill>
-                <a:latin typeface="+mn-lt"/>
-                <a:ea typeface="+mn-ea"/>
-                <a:cs typeface="+mn-cs"/>
-              </a:defRPr>
-            </a:lvl2pPr>
-            <a:lvl3pPr marL="914400" algn="l" defTabSz="914400" rtl="0" eaLnBrk="1" latinLnBrk="0" hangingPunct="1">
-              <a:defRPr sz="1800" kern="1200">
-                <a:solidFill>
-                  <a:schemeClr val="lt1"/>
-                </a:solidFill>
-                <a:latin typeface="+mn-lt"/>
-                <a:ea typeface="+mn-ea"/>
-                <a:cs typeface="+mn-cs"/>
-              </a:defRPr>
-            </a:lvl3pPr>
-            <a:lvl4pPr marL="1371600" algn="l" defTabSz="914400" rtl="0" eaLnBrk="1" latinLnBrk="0" hangingPunct="1">
-              <a:defRPr sz="1800" kern="1200">
-                <a:solidFill>
-                  <a:schemeClr val="lt1"/>
-                </a:solidFill>
-                <a:latin typeface="+mn-lt"/>
-                <a:ea typeface="+mn-ea"/>
-                <a:cs typeface="+mn-cs"/>
-              </a:defRPr>
-            </a:lvl4pPr>
-            <a:lvl5pPr marL="1828800" algn="l" defTabSz="914400" rtl="0" eaLnBrk="1" latinLnBrk="0" hangingPunct="1">
-              <a:defRPr sz="1800" kern="1200">
-                <a:solidFill>
-                  <a:schemeClr val="lt1"/>
-                </a:solidFill>
-                <a:latin typeface="+mn-lt"/>
-                <a:ea typeface="+mn-ea"/>
-                <a:cs typeface="+mn-cs"/>
-              </a:defRPr>
-            </a:lvl5pPr>
-            <a:lvl6pPr marL="2286000" algn="l" defTabSz="914400" rtl="0" eaLnBrk="1" latinLnBrk="0" hangingPunct="1">
-              <a:defRPr sz="1800" kern="1200">
-                <a:solidFill>
-                  <a:schemeClr val="lt1"/>
-                </a:solidFill>
-                <a:latin typeface="+mn-lt"/>
-                <a:ea typeface="+mn-ea"/>
-                <a:cs typeface="+mn-cs"/>
-              </a:defRPr>
-            </a:lvl6pPr>
-            <a:lvl7pPr marL="2743200" algn="l" defTabSz="914400" rtl="0" eaLnBrk="1" latinLnBrk="0" hangingPunct="1">
-              <a:defRPr sz="1800" kern="1200">
-                <a:solidFill>
-                  <a:schemeClr val="lt1"/>
-                </a:solidFill>
-                <a:latin typeface="+mn-lt"/>
-                <a:ea typeface="+mn-ea"/>
-                <a:cs typeface="+mn-cs"/>
-              </a:defRPr>
-            </a:lvl7pPr>
-            <a:lvl8pPr marL="3200400" algn="l" defTabSz="914400" rtl="0" eaLnBrk="1" latinLnBrk="0" hangingPunct="1">
-              <a:defRPr sz="1800" kern="1200">
-                <a:solidFill>
-                  <a:schemeClr val="lt1"/>
-                </a:solidFill>
-                <a:latin typeface="+mn-lt"/>
-                <a:ea typeface="+mn-ea"/>
-                <a:cs typeface="+mn-cs"/>
-              </a:defRPr>
-            </a:lvl8pPr>
-            <a:lvl9pPr marL="3657600" algn="l" defTabSz="914400" rtl="0" eaLnBrk="1" latinLnBrk="0" hangingPunct="1">
-              <a:defRPr sz="1800" kern="1200">
-                <a:solidFill>
-                  <a:schemeClr val="lt1"/>
-                </a:solidFill>
-                <a:latin typeface="+mn-lt"/>
-                <a:ea typeface="+mn-ea"/>
-                <a:cs typeface="+mn-cs"/>
-              </a:defRPr>
-            </a:lvl9pPr>
-          </a:lstStyle>
-          <a:p>
-            <a:pPr algn="ctr"/>
-            <a:r>
-              <a:rPr lang="en-US"/>
-              <a:t>S4</a:t>
-            </a:r>
-          </a:p>
-        </p:txBody>
-      </p:sp>
-      <p:sp>
-        <p:nvSpPr>
-          <p:cNvPr id="6" name="Rectangle 5">
-            <a:extLst>
-              <a:ext uri="{FF2B5EF4-FFF2-40B4-BE49-F238E27FC236}">
-                <a16:creationId xmlns:a16="http://schemas.microsoft.com/office/drawing/2014/main" id="{ACDAB238-9CA6-44CA-AD0F-9AB49E3DC90D}"/>
-              </a:ext>
-            </a:extLst>
-          </p:cNvPr>
-          <p:cNvSpPr/>
-          <p:nvPr/>
-        </p:nvSpPr>
-        <p:spPr>
-          <a:xfrm>
-            <a:off x="2002280" y="3982552"/>
-            <a:ext cx="1312827" cy="1445280"/>
-          </a:xfrm>
-          <a:prstGeom prst="rect">
-            <a:avLst/>
-          </a:prstGeom>
-        </p:spPr>
-        <p:style>
-          <a:lnRef idx="2">
-            <a:schemeClr val="accent2">
-              <a:shade val="50000"/>
-            </a:schemeClr>
-          </a:lnRef>
-          <a:fillRef idx="1">
-            <a:schemeClr val="accent2"/>
-          </a:fillRef>
-          <a:effectRef idx="0">
-            <a:schemeClr val="accent2"/>
-          </a:effectRef>
-          <a:fontRef idx="minor">
-            <a:schemeClr val="lt1"/>
-          </a:fontRef>
-        </p:style>
-        <p:txBody>
-          <a:bodyPr rot="0" spcFirstLastPara="0" vert="horz" wrap="square" lIns="91440" tIns="45720" rIns="91440" bIns="45720" numCol="1" spcCol="0" rtlCol="0" fromWordArt="0" anchor="ctr" anchorCtr="0" forceAA="0" compatLnSpc="1">
-            <a:prstTxWarp prst="textNoShape">
-              <a:avLst/>
-            </a:prstTxWarp>
-            <a:noAutofit/>
-          </a:bodyPr>
-          <a:lstStyle>
-            <a:defPPr>
-              <a:defRPr lang="en-US"/>
-            </a:defPPr>
-            <a:lvl1pPr marL="0" algn="l" defTabSz="914400" rtl="0" eaLnBrk="1" latinLnBrk="0" hangingPunct="1">
-              <a:defRPr sz="1800" kern="1200">
-                <a:solidFill>
-                  <a:schemeClr val="lt1"/>
-                </a:solidFill>
-                <a:latin typeface="+mn-lt"/>
-                <a:ea typeface="+mn-ea"/>
-                <a:cs typeface="+mn-cs"/>
-              </a:defRPr>
-            </a:lvl1pPr>
-            <a:lvl2pPr marL="457200" algn="l" defTabSz="914400" rtl="0" eaLnBrk="1" latinLnBrk="0" hangingPunct="1">
-              <a:defRPr sz="1800" kern="1200">
-                <a:solidFill>
-                  <a:schemeClr val="lt1"/>
-                </a:solidFill>
-                <a:latin typeface="+mn-lt"/>
-                <a:ea typeface="+mn-ea"/>
-                <a:cs typeface="+mn-cs"/>
-              </a:defRPr>
-            </a:lvl2pPr>
-            <a:lvl3pPr marL="914400" algn="l" defTabSz="914400" rtl="0" eaLnBrk="1" latinLnBrk="0" hangingPunct="1">
-              <a:defRPr sz="1800" kern="1200">
-                <a:solidFill>
-                  <a:schemeClr val="lt1"/>
-                </a:solidFill>
-                <a:latin typeface="+mn-lt"/>
-                <a:ea typeface="+mn-ea"/>
-                <a:cs typeface="+mn-cs"/>
-              </a:defRPr>
-            </a:lvl3pPr>
-            <a:lvl4pPr marL="1371600" algn="l" defTabSz="914400" rtl="0" eaLnBrk="1" latinLnBrk="0" hangingPunct="1">
-              <a:defRPr sz="1800" kern="1200">
-                <a:solidFill>
-                  <a:schemeClr val="lt1"/>
-                </a:solidFill>
-                <a:latin typeface="+mn-lt"/>
-                <a:ea typeface="+mn-ea"/>
-                <a:cs typeface="+mn-cs"/>
-              </a:defRPr>
-            </a:lvl4pPr>
-            <a:lvl5pPr marL="1828800" algn="l" defTabSz="914400" rtl="0" eaLnBrk="1" latinLnBrk="0" hangingPunct="1">
-              <a:defRPr sz="1800" kern="1200">
-                <a:solidFill>
-                  <a:schemeClr val="lt1"/>
-                </a:solidFill>
-                <a:latin typeface="+mn-lt"/>
-                <a:ea typeface="+mn-ea"/>
-                <a:cs typeface="+mn-cs"/>
-              </a:defRPr>
-            </a:lvl5pPr>
-            <a:lvl6pPr marL="2286000" algn="l" defTabSz="914400" rtl="0" eaLnBrk="1" latinLnBrk="0" hangingPunct="1">
-              <a:defRPr sz="1800" kern="1200">
-                <a:solidFill>
-                  <a:schemeClr val="lt1"/>
-                </a:solidFill>
-                <a:latin typeface="+mn-lt"/>
-                <a:ea typeface="+mn-ea"/>
-                <a:cs typeface="+mn-cs"/>
-              </a:defRPr>
-            </a:lvl6pPr>
-            <a:lvl7pPr marL="2743200" algn="l" defTabSz="914400" rtl="0" eaLnBrk="1" latinLnBrk="0" hangingPunct="1">
-              <a:defRPr sz="1800" kern="1200">
-                <a:solidFill>
-                  <a:schemeClr val="lt1"/>
-                </a:solidFill>
-                <a:latin typeface="+mn-lt"/>
-                <a:ea typeface="+mn-ea"/>
-                <a:cs typeface="+mn-cs"/>
-              </a:defRPr>
-            </a:lvl7pPr>
-            <a:lvl8pPr marL="3200400" algn="l" defTabSz="914400" rtl="0" eaLnBrk="1" latinLnBrk="0" hangingPunct="1">
-              <a:defRPr sz="1800" kern="1200">
-                <a:solidFill>
-                  <a:schemeClr val="lt1"/>
-                </a:solidFill>
-                <a:latin typeface="+mn-lt"/>
-                <a:ea typeface="+mn-ea"/>
-                <a:cs typeface="+mn-cs"/>
-              </a:defRPr>
-            </a:lvl8pPr>
-            <a:lvl9pPr marL="3657600" algn="l" defTabSz="914400" rtl="0" eaLnBrk="1" latinLnBrk="0" hangingPunct="1">
-              <a:defRPr sz="1800" kern="1200">
-                <a:solidFill>
-                  <a:schemeClr val="lt1"/>
-                </a:solidFill>
-                <a:latin typeface="+mn-lt"/>
-                <a:ea typeface="+mn-ea"/>
-                <a:cs typeface="+mn-cs"/>
-              </a:defRPr>
-            </a:lvl9pPr>
-          </a:lstStyle>
-          <a:p>
-            <a:pPr algn="ctr"/>
-            <a:r>
-              <a:rPr lang="en-US"/>
-              <a:t>S3</a:t>
-            </a:r>
-          </a:p>
-        </p:txBody>
-      </p:sp>
-      <p:sp>
-        <p:nvSpPr>
           <p:cNvPr id="7" name="Oval 6">
             <a:extLst>
               <a:ext uri="{FF2B5EF4-FFF2-40B4-BE49-F238E27FC236}">
@@ -8871,7 +8756,7 @@
         </p:nvSpPr>
         <p:spPr>
           <a:xfrm>
-            <a:off x="4409833" y="2962353"/>
+            <a:off x="4265612" y="4711346"/>
             <a:ext cx="2700709" cy="1303586"/>
           </a:xfrm>
           <a:prstGeom prst="ellipse">
@@ -8900,21 +8785,9 @@
           <a:p>
             <a:pPr algn="ctr"/>
             <a:r>
-              <a:rPr lang="en-US"/>
-              <a:t>Check For </a:t>
-            </a:r>
-          </a:p>
-          <a:p>
-            <a:pPr algn="ctr"/>
-            <a:r>
               <a:rPr lang="en-US" dirty="0"/>
-              <a:t>Deny/Approve or Yes/No </a:t>
-            </a:r>
-            <a:r>
-              <a:rPr lang="en-US"/>
-              <a:t>respectively</a:t>
-            </a:r>
-            <a:endParaRPr lang="en-US" dirty="0"/>
+              <a:t>Checking if Meeting RSVP is accepted/denied</a:t>
+            </a:r>
           </a:p>
         </p:txBody>
       </p:sp>
@@ -8978,15 +8851,15 @@
           </p:cNvPr>
           <p:cNvCxnSpPr>
             <a:cxnSpLocks/>
-            <a:stCxn id="4" idx="3"/>
-            <a:endCxn id="7" idx="2"/>
+            <a:stCxn id="17" idx="4"/>
+            <a:endCxn id="3" idx="2"/>
           </p:cNvCxnSpPr>
           <p:nvPr/>
         </p:nvCxnSpPr>
         <p:spPr>
-          <a:xfrm>
-            <a:off x="3315107" y="2579779"/>
-            <a:ext cx="1094726" cy="1034367"/>
+          <a:xfrm flipV="1">
+            <a:off x="3337926" y="2895600"/>
+            <a:ext cx="1040419" cy="989521"/>
           </a:xfrm>
           <a:prstGeom prst="straightConnector1">
             <a:avLst/>
@@ -9021,14 +8894,15 @@
           </p:cNvPr>
           <p:cNvCxnSpPr>
             <a:cxnSpLocks/>
+            <a:stCxn id="17" idx="4"/>
             <a:endCxn id="7" idx="2"/>
           </p:cNvCxnSpPr>
           <p:nvPr/>
         </p:nvCxnSpPr>
         <p:spPr>
-          <a:xfrm flipV="1">
-            <a:off x="3429000" y="3614146"/>
-            <a:ext cx="980833" cy="988334"/>
+          <a:xfrm>
+            <a:off x="3337926" y="3885121"/>
+            <a:ext cx="927686" cy="1478018"/>
           </a:xfrm>
           <a:prstGeom prst="straightConnector1">
             <a:avLst/>
@@ -9069,9 +8943,9 @@
           <p:nvPr/>
         </p:nvCxnSpPr>
         <p:spPr>
-          <a:xfrm>
-            <a:off x="7110542" y="3614146"/>
-            <a:ext cx="455221" cy="2362"/>
+          <a:xfrm flipV="1">
+            <a:off x="6966321" y="3616508"/>
+            <a:ext cx="599442" cy="1746631"/>
           </a:xfrm>
           <a:prstGeom prst="straightConnector1">
             <a:avLst/>
@@ -9109,8 +8983,8 @@
         </p:nvSpPr>
         <p:spPr>
           <a:xfrm>
-            <a:off x="4659377" y="1804869"/>
-            <a:ext cx="1600200" cy="1105214"/>
+            <a:off x="4378345" y="2057400"/>
+            <a:ext cx="2190956" cy="1676400"/>
           </a:xfrm>
           <a:prstGeom prst="ellipse">
             <a:avLst/>
@@ -9137,10 +9011,108 @@
           <a:lstStyle/>
           <a:p>
             <a:pPr algn="ctr"/>
-            <a:endParaRPr lang="en-IN"/>
-          </a:p>
-        </p:txBody>
-      </p:sp>
+            <a:r>
+              <a:rPr lang="en-IN" dirty="0"/>
+              <a:t>Checking whether TS is denied/approved/pending</a:t>
+            </a:r>
+          </a:p>
+        </p:txBody>
+      </p:sp>
+      <p:sp>
+        <p:nvSpPr>
+          <p:cNvPr id="17" name="Cylinder 16">
+            <a:extLst>
+              <a:ext uri="{FF2B5EF4-FFF2-40B4-BE49-F238E27FC236}">
+                <a16:creationId xmlns:a16="http://schemas.microsoft.com/office/drawing/2014/main" id="{C9B37343-50DD-42B4-B5F1-CEE22A49A490}"/>
+              </a:ext>
+            </a:extLst>
+          </p:cNvPr>
+          <p:cNvSpPr/>
+          <p:nvPr/>
+        </p:nvSpPr>
+        <p:spPr>
+          <a:xfrm>
+            <a:off x="1842514" y="2057400"/>
+            <a:ext cx="1495412" cy="3655441"/>
+          </a:xfrm>
+          <a:prstGeom prst="can">
+            <a:avLst/>
+          </a:prstGeom>
+        </p:spPr>
+        <p:style>
+          <a:lnRef idx="2">
+            <a:schemeClr val="accent6">
+              <a:shade val="50000"/>
+            </a:schemeClr>
+          </a:lnRef>
+          <a:fillRef idx="1">
+            <a:schemeClr val="accent6"/>
+          </a:fillRef>
+          <a:effectRef idx="0">
+            <a:schemeClr val="accent6"/>
+          </a:effectRef>
+          <a:fontRef idx="minor">
+            <a:schemeClr val="lt1"/>
+          </a:fontRef>
+        </p:style>
+        <p:txBody>
+          <a:bodyPr rtlCol="0" anchor="ctr"/>
+          <a:lstStyle/>
+          <a:p>
+            <a:pPr algn="ctr"/>
+            <a:r>
+              <a:rPr lang="en-US" dirty="0" err="1"/>
+              <a:t>TimeSheet</a:t>
+            </a:r>
+            <a:r>
+              <a:rPr lang="en-US" dirty="0"/>
+              <a:t>-DB</a:t>
+            </a:r>
+          </a:p>
+        </p:txBody>
+      </p:sp>
+      <p:cxnSp>
+        <p:nvCxnSpPr>
+          <p:cNvPr id="22" name="Straight Arrow Connector 21">
+            <a:extLst>
+              <a:ext uri="{FF2B5EF4-FFF2-40B4-BE49-F238E27FC236}">
+                <a16:creationId xmlns:a16="http://schemas.microsoft.com/office/drawing/2014/main" id="{0868E23B-2C65-4CB5-AE67-BA58E2832A7E}"/>
+              </a:ext>
+            </a:extLst>
+          </p:cNvPr>
+          <p:cNvCxnSpPr>
+            <a:stCxn id="3" idx="6"/>
+            <a:endCxn id="9" idx="1"/>
+          </p:cNvCxnSpPr>
+          <p:nvPr/>
+        </p:nvCxnSpPr>
+        <p:spPr>
+          <a:xfrm>
+            <a:off x="6569301" y="2895600"/>
+            <a:ext cx="996462" cy="720908"/>
+          </a:xfrm>
+          <a:prstGeom prst="straightConnector1">
+            <a:avLst/>
+          </a:prstGeom>
+          <a:ln>
+            <a:tailEnd type="triangle"/>
+          </a:ln>
+        </p:spPr>
+        <p:style>
+          <a:lnRef idx="1">
+            <a:schemeClr val="accent1"/>
+          </a:lnRef>
+          <a:fillRef idx="0">
+            <a:schemeClr val="accent1"/>
+          </a:fillRef>
+          <a:effectRef idx="0">
+            <a:schemeClr val="accent1"/>
+          </a:effectRef>
+          <a:fontRef idx="minor">
+            <a:schemeClr val="tx1"/>
+          </a:fontRef>
+        </p:style>
+      </p:cxnSp>
     </p:spTree>
     <p:extLst>
       <p:ext uri="{BB962C8B-B14F-4D97-AF65-F5344CB8AC3E}">

--- a/SubRoutine Diagrams/Notice Board.pptx
+++ b/SubRoutine Diagrams/Notice Board.pptx
@@ -1364,7 +1364,7 @@
           <a:p>
             <a:fld id="{59088EAF-6ECA-4616-85EF-35AA19C641F3}" type="datetimeFigureOut">
               <a:rPr lang="en-US"/>
-              <a:t>5/21/2020</a:t>
+              <a:t>5/23/2020</a:t>
             </a:fld>
             <a:endParaRPr/>
           </a:p>
@@ -1529,7 +1529,7 @@
           <a:p>
             <a:fld id="{3ABD2D7A-D230-4F91-BD59-0A39C2703BA8}" type="datetimeFigureOut">
               <a:rPr lang="en-US"/>
-              <a:t>5/21/2020</a:t>
+              <a:t>5/23/2020</a:t>
             </a:fld>
             <a:endParaRPr/>
           </a:p>
@@ -2202,7 +2202,7 @@
           <a:p>
             <a:fld id="{03F41C87-7AD9-4845-A077-840E4A0F3F06}" type="datetimeFigureOut">
               <a:rPr lang="en-US"/>
-              <a:t>5/21/2020</a:t>
+              <a:t>5/23/2020</a:t>
             </a:fld>
             <a:endParaRPr/>
           </a:p>
@@ -2386,7 +2386,7 @@
           <a:p>
             <a:fld id="{03F41C87-7AD9-4845-A077-840E4A0F3F06}" type="datetimeFigureOut">
               <a:rPr lang="en-US"/>
-              <a:t>5/21/2020</a:t>
+              <a:t>5/23/2020</a:t>
             </a:fld>
             <a:endParaRPr/>
           </a:p>
@@ -2567,7 +2567,7 @@
           <a:p>
             <a:fld id="{03F41C87-7AD9-4845-A077-840E4A0F3F06}" type="datetimeFigureOut">
               <a:rPr lang="en-US"/>
-              <a:t>5/21/2020</a:t>
+              <a:t>5/23/2020</a:t>
             </a:fld>
             <a:endParaRPr/>
           </a:p>
@@ -2844,7 +2844,7 @@
           <a:p>
             <a:fld id="{03F41C87-7AD9-4845-A077-840E4A0F3F06}" type="datetimeFigureOut">
               <a:rPr lang="en-US"/>
-              <a:t>5/21/2020</a:t>
+              <a:t>5/23/2020</a:t>
             </a:fld>
             <a:endParaRPr/>
           </a:p>
@@ -3134,7 +3134,7 @@
           <a:p>
             <a:fld id="{03F41C87-7AD9-4845-A077-840E4A0F3F06}" type="datetimeFigureOut">
               <a:rPr lang="en-US"/>
-              <a:t>5/21/2020</a:t>
+              <a:t>5/23/2020</a:t>
             </a:fld>
             <a:endParaRPr/>
           </a:p>
@@ -3574,7 +3574,7 @@
           <a:p>
             <a:fld id="{03F41C87-7AD9-4845-A077-840E4A0F3F06}" type="datetimeFigureOut">
               <a:rPr lang="en-US"/>
-              <a:t>5/21/2020</a:t>
+              <a:t>5/23/2020</a:t>
             </a:fld>
             <a:endParaRPr/>
           </a:p>
@@ -3702,7 +3702,7 @@
           <a:p>
             <a:fld id="{03F41C87-7AD9-4845-A077-840E4A0F3F06}" type="datetimeFigureOut">
               <a:rPr lang="en-US"/>
-              <a:t>5/21/2020</a:t>
+              <a:t>5/23/2020</a:t>
             </a:fld>
             <a:endParaRPr/>
           </a:p>
@@ -3817,7 +3817,7 @@
           <a:p>
             <a:fld id="{03F41C87-7AD9-4845-A077-840E4A0F3F06}" type="datetimeFigureOut">
               <a:rPr lang="en-US"/>
-              <a:t>5/21/2020</a:t>
+              <a:t>5/23/2020</a:t>
             </a:fld>
             <a:endParaRPr/>
           </a:p>
@@ -4130,7 +4130,7 @@
           <a:p>
             <a:fld id="{03F41C87-7AD9-4845-A077-840E4A0F3F06}" type="datetimeFigureOut">
               <a:rPr lang="en-US"/>
-              <a:t>5/21/2020</a:t>
+              <a:t>5/23/2020</a:t>
             </a:fld>
             <a:endParaRPr/>
           </a:p>
@@ -4435,7 +4435,7 @@
             <a:fld id="{03F41C87-7AD9-4845-A077-840E4A0F3F06}" type="datetimeFigureOut">
               <a:rPr lang="en-US"/>
               <a:pPr/>
-              <a:t>5/21/2020</a:t>
+              <a:t>5/23/2020</a:t>
             </a:fld>
             <a:endParaRPr/>
           </a:p>
@@ -4668,7 +4668,7 @@
             <a:fld id="{03F41C87-7AD9-4845-A077-840E4A0F3F06}" type="datetimeFigureOut">
               <a:rPr lang="en-US"/>
               <a:pPr/>
-              <a:t>5/21/2020</a:t>
+              <a:t>5/23/2020</a:t>
             </a:fld>
             <a:endParaRPr/>
           </a:p>
@@ -5218,7 +5218,12 @@
             <p:ph type="title"/>
           </p:nvPr>
         </p:nvSpPr>
-        <p:spPr/>
+        <p:spPr>
+          <a:xfrm>
+            <a:off x="1370012" y="287562"/>
+            <a:ext cx="9144001" cy="1371600"/>
+          </a:xfrm>
+        </p:spPr>
         <p:txBody>
           <a:bodyPr/>
           <a:lstStyle/>
@@ -5268,248 +5273,269 @@
           </a:p>
         </p:txBody>
       </p:sp>
-      <p:sp>
-        <p:nvSpPr>
-          <p:cNvPr id="4" name="Rectangle 3">
+      <p:grpSp>
+        <p:nvGrpSpPr>
+          <p:cNvPr id="2" name="Group 1">
             <a:extLst>
               <a:ext uri="{FF2B5EF4-FFF2-40B4-BE49-F238E27FC236}">
-                <a16:creationId xmlns:a16="http://schemas.microsoft.com/office/drawing/2014/main" id="{F063A03D-6C2C-4BC7-9FD8-8F1FFDB8B95F}"/>
+                <a16:creationId xmlns:a16="http://schemas.microsoft.com/office/drawing/2014/main" id="{D2ED6257-E05D-4C4A-A5B2-E3D0E56677E8}"/>
               </a:ext>
             </a:extLst>
           </p:cNvPr>
-          <p:cNvSpPr/>
+          <p:cNvGrpSpPr/>
           <p:nvPr/>
-        </p:nvSpPr>
-        <p:spPr>
+        </p:nvGrpSpPr>
+        <p:grpSpPr>
           <a:xfrm>
             <a:off x="4353184" y="1989386"/>
             <a:ext cx="2596855" cy="4109130"/>
+            <a:chOff x="4353184" y="1989386"/>
+            <a:chExt cx="2596855" cy="4109130"/>
           </a:xfrm>
-          <a:prstGeom prst="rect">
-            <a:avLst/>
-          </a:prstGeom>
-        </p:spPr>
-        <p:style>
-          <a:lnRef idx="2">
-            <a:schemeClr val="accent3">
-              <a:shade val="50000"/>
-            </a:schemeClr>
-          </a:lnRef>
-          <a:fillRef idx="1">
-            <a:schemeClr val="accent3"/>
-          </a:fillRef>
-          <a:effectRef idx="0">
-            <a:schemeClr val="accent3"/>
-          </a:effectRef>
-          <a:fontRef idx="minor">
-            <a:schemeClr val="lt1"/>
-          </a:fontRef>
-        </p:style>
-        <p:txBody>
-          <a:bodyPr rtlCol="0" anchor="ctr"/>
-          <a:lstStyle/>
-          <a:p>
-            <a:pPr algn="ctr"/>
-            <a:r>
-              <a:rPr lang="en-US" dirty="0"/>
-              <a:t>SCREEN</a:t>
-            </a:r>
-          </a:p>
-        </p:txBody>
-      </p:sp>
-      <p:sp>
-        <p:nvSpPr>
-          <p:cNvPr id="5" name="Rectangle 4">
-            <a:extLst>
-              <a:ext uri="{FF2B5EF4-FFF2-40B4-BE49-F238E27FC236}">
-                <a16:creationId xmlns:a16="http://schemas.microsoft.com/office/drawing/2014/main" id="{2D0BCE15-25B3-41EF-828A-F39AE8377D03}"/>
-              </a:ext>
-            </a:extLst>
-          </p:cNvPr>
-          <p:cNvSpPr/>
-          <p:nvPr/>
-        </p:nvSpPr>
-        <p:spPr>
-          <a:xfrm>
-            <a:off x="4392204" y="2595128"/>
-            <a:ext cx="2492999" cy="510099"/>
-          </a:xfrm>
-          <a:prstGeom prst="rect">
-            <a:avLst/>
-          </a:prstGeom>
-        </p:spPr>
-        <p:style>
-          <a:lnRef idx="2">
-            <a:schemeClr val="accent2">
-              <a:shade val="50000"/>
-            </a:schemeClr>
-          </a:lnRef>
-          <a:fillRef idx="1">
-            <a:schemeClr val="accent2"/>
-          </a:fillRef>
-          <a:effectRef idx="0">
-            <a:schemeClr val="accent2"/>
-          </a:effectRef>
-          <a:fontRef idx="minor">
-            <a:schemeClr val="lt1"/>
-          </a:fontRef>
-        </p:style>
-        <p:txBody>
-          <a:bodyPr rtlCol="0" anchor="ctr"/>
-          <a:lstStyle/>
-          <a:p>
-            <a:pPr algn="ctr"/>
-            <a:r>
-              <a:rPr lang="en-US" dirty="0"/>
-              <a:t>Notification Cards</a:t>
-            </a:r>
-          </a:p>
-        </p:txBody>
-      </p:sp>
-      <p:sp>
-        <p:nvSpPr>
-          <p:cNvPr id="6" name="Rectangle 5">
-            <a:extLst>
-              <a:ext uri="{FF2B5EF4-FFF2-40B4-BE49-F238E27FC236}">
-                <a16:creationId xmlns:a16="http://schemas.microsoft.com/office/drawing/2014/main" id="{A7E36944-1CB0-4D59-8FB7-A624CC17B99A}"/>
-              </a:ext>
-            </a:extLst>
-          </p:cNvPr>
-          <p:cNvSpPr/>
-          <p:nvPr/>
-        </p:nvSpPr>
-        <p:spPr>
-          <a:xfrm>
-            <a:off x="4393459" y="3153641"/>
-            <a:ext cx="2492998" cy="528991"/>
-          </a:xfrm>
-          <a:prstGeom prst="rect">
-            <a:avLst/>
-          </a:prstGeom>
-        </p:spPr>
-        <p:style>
-          <a:lnRef idx="2">
-            <a:schemeClr val="accent2">
-              <a:shade val="50000"/>
-            </a:schemeClr>
-          </a:lnRef>
-          <a:fillRef idx="1">
-            <a:schemeClr val="accent2"/>
-          </a:fillRef>
-          <a:effectRef idx="0">
-            <a:schemeClr val="accent2"/>
-          </a:effectRef>
-          <a:fontRef idx="minor">
-            <a:schemeClr val="lt1"/>
-          </a:fontRef>
-        </p:style>
-        <p:txBody>
-          <a:bodyPr rtlCol="0" anchor="ctr"/>
-          <a:lstStyle/>
-          <a:p>
-            <a:pPr algn="ctr"/>
-            <a:r>
-              <a:rPr lang="en-US" dirty="0"/>
-              <a:t>(Non-Permanent)</a:t>
-            </a:r>
-          </a:p>
-        </p:txBody>
-      </p:sp>
-      <p:sp>
-        <p:nvSpPr>
-          <p:cNvPr id="9" name="Rectangle 8">
-            <a:extLst>
-              <a:ext uri="{FF2B5EF4-FFF2-40B4-BE49-F238E27FC236}">
-                <a16:creationId xmlns:a16="http://schemas.microsoft.com/office/drawing/2014/main" id="{FB2F554C-3634-446B-A5F7-170C34D2D4C2}"/>
-              </a:ext>
-            </a:extLst>
-          </p:cNvPr>
-          <p:cNvSpPr/>
-          <p:nvPr/>
-        </p:nvSpPr>
-        <p:spPr>
-          <a:xfrm>
-            <a:off x="4395811" y="4324980"/>
-            <a:ext cx="2492998" cy="528991"/>
-          </a:xfrm>
-          <a:prstGeom prst="rect">
-            <a:avLst/>
-          </a:prstGeom>
-        </p:spPr>
-        <p:style>
-          <a:lnRef idx="2">
-            <a:schemeClr val="accent2">
-              <a:shade val="50000"/>
-            </a:schemeClr>
-          </a:lnRef>
-          <a:fillRef idx="1">
-            <a:schemeClr val="accent2"/>
-          </a:fillRef>
-          <a:effectRef idx="0">
-            <a:schemeClr val="accent2"/>
-          </a:effectRef>
-          <a:fontRef idx="minor">
-            <a:schemeClr val="lt1"/>
-          </a:fontRef>
-        </p:style>
-        <p:txBody>
-          <a:bodyPr rtlCol="0" anchor="ctr"/>
-          <a:lstStyle/>
-          <a:p>
-            <a:pPr algn="ctr"/>
-            <a:endParaRPr lang="en-US"/>
-          </a:p>
-        </p:txBody>
-      </p:sp>
-      <p:sp>
-        <p:nvSpPr>
-          <p:cNvPr id="7" name="Rectangle 6">
-            <a:extLst>
-              <a:ext uri="{FF2B5EF4-FFF2-40B4-BE49-F238E27FC236}">
-                <a16:creationId xmlns:a16="http://schemas.microsoft.com/office/drawing/2014/main" id="{2109B48B-960A-4C85-9172-2886B991D594}"/>
-              </a:ext>
-            </a:extLst>
-          </p:cNvPr>
-          <p:cNvSpPr/>
-          <p:nvPr/>
-        </p:nvSpPr>
-        <p:spPr>
-          <a:xfrm>
-            <a:off x="6330195" y="2030713"/>
-            <a:ext cx="491428" cy="500654"/>
-          </a:xfrm>
-          <a:prstGeom prst="rect">
-            <a:avLst/>
-          </a:prstGeom>
-        </p:spPr>
-        <p:style>
-          <a:lnRef idx="2">
-            <a:schemeClr val="accent2">
-              <a:shade val="50000"/>
-            </a:schemeClr>
-          </a:lnRef>
-          <a:fillRef idx="1">
-            <a:schemeClr val="accent2"/>
-          </a:fillRef>
-          <a:effectRef idx="0">
-            <a:schemeClr val="accent2"/>
-          </a:effectRef>
-          <a:fontRef idx="minor">
-            <a:schemeClr val="lt1"/>
-          </a:fontRef>
-        </p:style>
-        <p:txBody>
-          <a:bodyPr rtlCol="0" anchor="ctr"/>
-          <a:lstStyle/>
-          <a:p>
-            <a:pPr algn="ctr"/>
-            <a:r>
-              <a:rPr lang="en-US" dirty="0"/>
-              <a:t>+</a:t>
-            </a:r>
-          </a:p>
-        </p:txBody>
-      </p:sp>
+        </p:grpSpPr>
+        <p:sp>
+          <p:nvSpPr>
+            <p:cNvPr id="4" name="Rectangle 3">
+              <a:extLst>
+                <a:ext uri="{FF2B5EF4-FFF2-40B4-BE49-F238E27FC236}">
+                  <a16:creationId xmlns:a16="http://schemas.microsoft.com/office/drawing/2014/main" id="{F063A03D-6C2C-4BC7-9FD8-8F1FFDB8B95F}"/>
+                </a:ext>
+              </a:extLst>
+            </p:cNvPr>
+            <p:cNvSpPr/>
+            <p:nvPr/>
+          </p:nvSpPr>
+          <p:spPr>
+            <a:xfrm>
+              <a:off x="4353184" y="1989386"/>
+              <a:ext cx="2596855" cy="4109130"/>
+            </a:xfrm>
+            <a:prstGeom prst="rect">
+              <a:avLst/>
+            </a:prstGeom>
+          </p:spPr>
+          <p:style>
+            <a:lnRef idx="2">
+              <a:schemeClr val="accent3">
+                <a:shade val="50000"/>
+              </a:schemeClr>
+            </a:lnRef>
+            <a:fillRef idx="1">
+              <a:schemeClr val="accent3"/>
+            </a:fillRef>
+            <a:effectRef idx="0">
+              <a:schemeClr val="accent3"/>
+            </a:effectRef>
+            <a:fontRef idx="minor">
+              <a:schemeClr val="lt1"/>
+            </a:fontRef>
+          </p:style>
+          <p:txBody>
+            <a:bodyPr rtlCol="0" anchor="ctr"/>
+            <a:lstStyle/>
+            <a:p>
+              <a:pPr algn="ctr"/>
+              <a:r>
+                <a:rPr lang="en-US" dirty="0"/>
+                <a:t>SCREEN</a:t>
+              </a:r>
+            </a:p>
+          </p:txBody>
+        </p:sp>
+        <p:sp>
+          <p:nvSpPr>
+            <p:cNvPr id="5" name="Rectangle 4">
+              <a:extLst>
+                <a:ext uri="{FF2B5EF4-FFF2-40B4-BE49-F238E27FC236}">
+                  <a16:creationId xmlns:a16="http://schemas.microsoft.com/office/drawing/2014/main" id="{2D0BCE15-25B3-41EF-828A-F39AE8377D03}"/>
+                </a:ext>
+              </a:extLst>
+            </p:cNvPr>
+            <p:cNvSpPr/>
+            <p:nvPr/>
+          </p:nvSpPr>
+          <p:spPr>
+            <a:xfrm>
+              <a:off x="4392204" y="2595128"/>
+              <a:ext cx="2492999" cy="510099"/>
+            </a:xfrm>
+            <a:prstGeom prst="rect">
+              <a:avLst/>
+            </a:prstGeom>
+          </p:spPr>
+          <p:style>
+            <a:lnRef idx="2">
+              <a:schemeClr val="accent2">
+                <a:shade val="50000"/>
+              </a:schemeClr>
+            </a:lnRef>
+            <a:fillRef idx="1">
+              <a:schemeClr val="accent2"/>
+            </a:fillRef>
+            <a:effectRef idx="0">
+              <a:schemeClr val="accent2"/>
+            </a:effectRef>
+            <a:fontRef idx="minor">
+              <a:schemeClr val="lt1"/>
+            </a:fontRef>
+          </p:style>
+          <p:txBody>
+            <a:bodyPr rtlCol="0" anchor="ctr"/>
+            <a:lstStyle/>
+            <a:p>
+              <a:pPr algn="ctr"/>
+              <a:r>
+                <a:rPr lang="en-US" dirty="0"/>
+                <a:t>Notification Cards</a:t>
+              </a:r>
+            </a:p>
+          </p:txBody>
+        </p:sp>
+        <p:sp>
+          <p:nvSpPr>
+            <p:cNvPr id="6" name="Rectangle 5">
+              <a:extLst>
+                <a:ext uri="{FF2B5EF4-FFF2-40B4-BE49-F238E27FC236}">
+                  <a16:creationId xmlns:a16="http://schemas.microsoft.com/office/drawing/2014/main" id="{A7E36944-1CB0-4D59-8FB7-A624CC17B99A}"/>
+                </a:ext>
+              </a:extLst>
+            </p:cNvPr>
+            <p:cNvSpPr/>
+            <p:nvPr/>
+          </p:nvSpPr>
+          <p:spPr>
+            <a:xfrm>
+              <a:off x="4393459" y="3153641"/>
+              <a:ext cx="2492998" cy="528991"/>
+            </a:xfrm>
+            <a:prstGeom prst="rect">
+              <a:avLst/>
+            </a:prstGeom>
+          </p:spPr>
+          <p:style>
+            <a:lnRef idx="2">
+              <a:schemeClr val="accent2">
+                <a:shade val="50000"/>
+              </a:schemeClr>
+            </a:lnRef>
+            <a:fillRef idx="1">
+              <a:schemeClr val="accent2"/>
+            </a:fillRef>
+            <a:effectRef idx="0">
+              <a:schemeClr val="accent2"/>
+            </a:effectRef>
+            <a:fontRef idx="minor">
+              <a:schemeClr val="lt1"/>
+            </a:fontRef>
+          </p:style>
+          <p:txBody>
+            <a:bodyPr rtlCol="0" anchor="ctr"/>
+            <a:lstStyle/>
+            <a:p>
+              <a:pPr algn="ctr"/>
+              <a:r>
+                <a:rPr lang="en-US" dirty="0"/>
+                <a:t>(Non-Permanent)</a:t>
+              </a:r>
+            </a:p>
+          </p:txBody>
+        </p:sp>
+        <p:sp>
+          <p:nvSpPr>
+            <p:cNvPr id="9" name="Rectangle 8">
+              <a:extLst>
+                <a:ext uri="{FF2B5EF4-FFF2-40B4-BE49-F238E27FC236}">
+                  <a16:creationId xmlns:a16="http://schemas.microsoft.com/office/drawing/2014/main" id="{FB2F554C-3634-446B-A5F7-170C34D2D4C2}"/>
+                </a:ext>
+              </a:extLst>
+            </p:cNvPr>
+            <p:cNvSpPr/>
+            <p:nvPr/>
+          </p:nvSpPr>
+          <p:spPr>
+            <a:xfrm>
+              <a:off x="4395811" y="4324980"/>
+              <a:ext cx="2492998" cy="528991"/>
+            </a:xfrm>
+            <a:prstGeom prst="rect">
+              <a:avLst/>
+            </a:prstGeom>
+          </p:spPr>
+          <p:style>
+            <a:lnRef idx="2">
+              <a:schemeClr val="accent2">
+                <a:shade val="50000"/>
+              </a:schemeClr>
+            </a:lnRef>
+            <a:fillRef idx="1">
+              <a:schemeClr val="accent2"/>
+            </a:fillRef>
+            <a:effectRef idx="0">
+              <a:schemeClr val="accent2"/>
+            </a:effectRef>
+            <a:fontRef idx="minor">
+              <a:schemeClr val="lt1"/>
+            </a:fontRef>
+          </p:style>
+          <p:txBody>
+            <a:bodyPr rtlCol="0" anchor="ctr"/>
+            <a:lstStyle/>
+            <a:p>
+              <a:pPr algn="ctr"/>
+              <a:endParaRPr lang="en-US"/>
+            </a:p>
+          </p:txBody>
+        </p:sp>
+        <p:sp>
+          <p:nvSpPr>
+            <p:cNvPr id="7" name="Rectangle 6">
+              <a:extLst>
+                <a:ext uri="{FF2B5EF4-FFF2-40B4-BE49-F238E27FC236}">
+                  <a16:creationId xmlns:a16="http://schemas.microsoft.com/office/drawing/2014/main" id="{2109B48B-960A-4C85-9172-2886B991D594}"/>
+                </a:ext>
+              </a:extLst>
+            </p:cNvPr>
+            <p:cNvSpPr/>
+            <p:nvPr/>
+          </p:nvSpPr>
+          <p:spPr>
+            <a:xfrm>
+              <a:off x="6330195" y="2030713"/>
+              <a:ext cx="491428" cy="500654"/>
+            </a:xfrm>
+            <a:prstGeom prst="rect">
+              <a:avLst/>
+            </a:prstGeom>
+          </p:spPr>
+          <p:style>
+            <a:lnRef idx="2">
+              <a:schemeClr val="accent2">
+                <a:shade val="50000"/>
+              </a:schemeClr>
+            </a:lnRef>
+            <a:fillRef idx="1">
+              <a:schemeClr val="accent2"/>
+            </a:fillRef>
+            <a:effectRef idx="0">
+              <a:schemeClr val="accent2"/>
+            </a:effectRef>
+            <a:fontRef idx="minor">
+              <a:schemeClr val="lt1"/>
+            </a:fontRef>
+          </p:style>
+          <p:txBody>
+            <a:bodyPr rtlCol="0" anchor="ctr"/>
+            <a:lstStyle/>
+            <a:p>
+              <a:pPr algn="ctr"/>
+              <a:r>
+                <a:rPr lang="en-US" dirty="0"/>
+                <a:t>+</a:t>
+              </a:r>
+            </a:p>
+          </p:txBody>
+        </p:sp>
+      </p:grpSp>
       <p:cxnSp>
         <p:nvCxnSpPr>
           <p:cNvPr id="8" name="Straight Arrow Connector 7">
